--- a/Parchis.pptx
+++ b/Parchis.pptx
@@ -23,11 +23,13 @@
     <p:sldId id="286" r:id="rId17"/>
     <p:sldId id="280" r:id="rId18"/>
     <p:sldId id="281" r:id="rId19"/>
-    <p:sldId id="282" r:id="rId20"/>
-    <p:sldId id="287" r:id="rId21"/>
-    <p:sldId id="289" r:id="rId22"/>
-    <p:sldId id="290" r:id="rId23"/>
-    <p:sldId id="291" r:id="rId24"/>
+    <p:sldId id="295" r:id="rId20"/>
+    <p:sldId id="282" r:id="rId21"/>
+    <p:sldId id="294" r:id="rId22"/>
+    <p:sldId id="287" r:id="rId23"/>
+    <p:sldId id="289" r:id="rId24"/>
+    <p:sldId id="290" r:id="rId25"/>
+    <p:sldId id="291" r:id="rId26"/>
   </p:sldIdLst>
   <p:sldSz cx="9144000" cy="6858000" type="screen4x3"/>
   <p:notesSz cx="6858000" cy="9144000"/>
@@ -311,7 +313,7 @@
             <a:fld id="{259A47E4-A5E0-4609-8C5F-46E55C2C788C}" type="datetimeFigureOut">
               <a:rPr lang="es-ES" smtClean="0"/>
               <a:pPr/>
-              <a:t>27/10/2015</a:t>
+              <a:t>27/10/15</a:t>
             </a:fld>
             <a:endParaRPr lang="es-ES"/>
           </a:p>
@@ -354,7 +356,7 @@
             <a:fld id="{D10242A2-F12D-4D92-88C9-A077CA68CCFC}" type="slidenum">
               <a:rPr lang="es-ES" smtClean="0"/>
               <a:pPr/>
-              <a:t>‹Nº›</a:t>
+              <a:t>‹Nr.›</a:t>
             </a:fld>
             <a:endParaRPr lang="es-ES"/>
           </a:p>
@@ -478,7 +480,7 @@
             <a:fld id="{259A47E4-A5E0-4609-8C5F-46E55C2C788C}" type="datetimeFigureOut">
               <a:rPr lang="es-ES" smtClean="0"/>
               <a:pPr/>
-              <a:t>27/10/2015</a:t>
+              <a:t>27/10/15</a:t>
             </a:fld>
             <a:endParaRPr lang="es-ES"/>
           </a:p>
@@ -521,7 +523,7 @@
             <a:fld id="{D10242A2-F12D-4D92-88C9-A077CA68CCFC}" type="slidenum">
               <a:rPr lang="es-ES" smtClean="0"/>
               <a:pPr/>
-              <a:t>‹Nº›</a:t>
+              <a:t>‹Nr.›</a:t>
             </a:fld>
             <a:endParaRPr lang="es-ES"/>
           </a:p>
@@ -655,7 +657,7 @@
             <a:fld id="{259A47E4-A5E0-4609-8C5F-46E55C2C788C}" type="datetimeFigureOut">
               <a:rPr lang="es-ES" smtClean="0"/>
               <a:pPr/>
-              <a:t>27/10/2015</a:t>
+              <a:t>27/10/15</a:t>
             </a:fld>
             <a:endParaRPr lang="es-ES"/>
           </a:p>
@@ -698,7 +700,7 @@
             <a:fld id="{D10242A2-F12D-4D92-88C9-A077CA68CCFC}" type="slidenum">
               <a:rPr lang="es-ES" smtClean="0"/>
               <a:pPr/>
-              <a:t>‹Nº›</a:t>
+              <a:t>‹Nr.›</a:t>
             </a:fld>
             <a:endParaRPr lang="es-ES"/>
           </a:p>
@@ -822,7 +824,7 @@
             <a:fld id="{259A47E4-A5E0-4609-8C5F-46E55C2C788C}" type="datetimeFigureOut">
               <a:rPr lang="es-ES" smtClean="0"/>
               <a:pPr/>
-              <a:t>27/10/2015</a:t>
+              <a:t>27/10/15</a:t>
             </a:fld>
             <a:endParaRPr lang="es-ES"/>
           </a:p>
@@ -865,7 +867,7 @@
             <a:fld id="{D10242A2-F12D-4D92-88C9-A077CA68CCFC}" type="slidenum">
               <a:rPr lang="es-ES" smtClean="0"/>
               <a:pPr/>
-              <a:t>‹Nº›</a:t>
+              <a:t>‹Nr.›</a:t>
             </a:fld>
             <a:endParaRPr lang="es-ES"/>
           </a:p>
@@ -1065,7 +1067,7 @@
             <a:fld id="{259A47E4-A5E0-4609-8C5F-46E55C2C788C}" type="datetimeFigureOut">
               <a:rPr lang="es-ES" smtClean="0"/>
               <a:pPr/>
-              <a:t>27/10/2015</a:t>
+              <a:t>27/10/15</a:t>
             </a:fld>
             <a:endParaRPr lang="es-ES"/>
           </a:p>
@@ -1108,7 +1110,7 @@
             <a:fld id="{D10242A2-F12D-4D92-88C9-A077CA68CCFC}" type="slidenum">
               <a:rPr lang="es-ES" smtClean="0"/>
               <a:pPr/>
-              <a:t>‹Nº›</a:t>
+              <a:t>‹Nr.›</a:t>
             </a:fld>
             <a:endParaRPr lang="es-ES"/>
           </a:p>
@@ -1350,7 +1352,7 @@
             <a:fld id="{259A47E4-A5E0-4609-8C5F-46E55C2C788C}" type="datetimeFigureOut">
               <a:rPr lang="es-ES" smtClean="0"/>
               <a:pPr/>
-              <a:t>27/10/2015</a:t>
+              <a:t>27/10/15</a:t>
             </a:fld>
             <a:endParaRPr lang="es-ES"/>
           </a:p>
@@ -1393,7 +1395,7 @@
             <a:fld id="{D10242A2-F12D-4D92-88C9-A077CA68CCFC}" type="slidenum">
               <a:rPr lang="es-ES" smtClean="0"/>
               <a:pPr/>
-              <a:t>‹Nº›</a:t>
+              <a:t>‹Nr.›</a:t>
             </a:fld>
             <a:endParaRPr lang="es-ES"/>
           </a:p>
@@ -1769,7 +1771,7 @@
             <a:fld id="{259A47E4-A5E0-4609-8C5F-46E55C2C788C}" type="datetimeFigureOut">
               <a:rPr lang="es-ES" smtClean="0"/>
               <a:pPr/>
-              <a:t>27/10/2015</a:t>
+              <a:t>27/10/15</a:t>
             </a:fld>
             <a:endParaRPr lang="es-ES"/>
           </a:p>
@@ -1812,7 +1814,7 @@
             <a:fld id="{D10242A2-F12D-4D92-88C9-A077CA68CCFC}" type="slidenum">
               <a:rPr lang="es-ES" smtClean="0"/>
               <a:pPr/>
-              <a:t>‹Nº›</a:t>
+              <a:t>‹Nr.›</a:t>
             </a:fld>
             <a:endParaRPr lang="es-ES"/>
           </a:p>
@@ -1884,7 +1886,7 @@
             <a:fld id="{259A47E4-A5E0-4609-8C5F-46E55C2C788C}" type="datetimeFigureOut">
               <a:rPr lang="es-ES" smtClean="0"/>
               <a:pPr/>
-              <a:t>27/10/2015</a:t>
+              <a:t>27/10/15</a:t>
             </a:fld>
             <a:endParaRPr lang="es-ES"/>
           </a:p>
@@ -1927,7 +1929,7 @@
             <a:fld id="{D10242A2-F12D-4D92-88C9-A077CA68CCFC}" type="slidenum">
               <a:rPr lang="es-ES" smtClean="0"/>
               <a:pPr/>
-              <a:t>‹Nº›</a:t>
+              <a:t>‹Nr.›</a:t>
             </a:fld>
             <a:endParaRPr lang="es-ES"/>
           </a:p>
@@ -1976,7 +1978,7 @@
             <a:fld id="{259A47E4-A5E0-4609-8C5F-46E55C2C788C}" type="datetimeFigureOut">
               <a:rPr lang="es-ES" smtClean="0"/>
               <a:pPr/>
-              <a:t>27/10/2015</a:t>
+              <a:t>27/10/15</a:t>
             </a:fld>
             <a:endParaRPr lang="es-ES"/>
           </a:p>
@@ -2019,7 +2021,7 @@
             <a:fld id="{D10242A2-F12D-4D92-88C9-A077CA68CCFC}" type="slidenum">
               <a:rPr lang="es-ES" smtClean="0"/>
               <a:pPr/>
-              <a:t>‹Nº›</a:t>
+              <a:t>‹Nr.›</a:t>
             </a:fld>
             <a:endParaRPr lang="es-ES"/>
           </a:p>
@@ -2250,7 +2252,7 @@
             <a:fld id="{259A47E4-A5E0-4609-8C5F-46E55C2C788C}" type="datetimeFigureOut">
               <a:rPr lang="es-ES" smtClean="0"/>
               <a:pPr/>
-              <a:t>27/10/2015</a:t>
+              <a:t>27/10/15</a:t>
             </a:fld>
             <a:endParaRPr lang="es-ES"/>
           </a:p>
@@ -2293,7 +2295,7 @@
             <a:fld id="{D10242A2-F12D-4D92-88C9-A077CA68CCFC}" type="slidenum">
               <a:rPr lang="es-ES" smtClean="0"/>
               <a:pPr/>
-              <a:t>‹Nº›</a:t>
+              <a:t>‹Nr.›</a:t>
             </a:fld>
             <a:endParaRPr lang="es-ES"/>
           </a:p>
@@ -2500,7 +2502,7 @@
             <a:fld id="{259A47E4-A5E0-4609-8C5F-46E55C2C788C}" type="datetimeFigureOut">
               <a:rPr lang="es-ES" smtClean="0"/>
               <a:pPr/>
-              <a:t>27/10/2015</a:t>
+              <a:t>27/10/15</a:t>
             </a:fld>
             <a:endParaRPr lang="es-ES"/>
           </a:p>
@@ -2543,7 +2545,7 @@
             <a:fld id="{D10242A2-F12D-4D92-88C9-A077CA68CCFC}" type="slidenum">
               <a:rPr lang="es-ES" smtClean="0"/>
               <a:pPr/>
-              <a:t>‹Nº›</a:t>
+              <a:t>‹Nr.›</a:t>
             </a:fld>
             <a:endParaRPr lang="es-ES"/>
           </a:p>
@@ -2710,7 +2712,7 @@
             <a:fld id="{259A47E4-A5E0-4609-8C5F-46E55C2C788C}" type="datetimeFigureOut">
               <a:rPr lang="es-ES" smtClean="0"/>
               <a:pPr/>
-              <a:t>27/10/2015</a:t>
+              <a:t>27/10/15</a:t>
             </a:fld>
             <a:endParaRPr lang="es-ES"/>
           </a:p>
@@ -2789,7 +2791,7 @@
             <a:fld id="{D10242A2-F12D-4D92-88C9-A077CA68CCFC}" type="slidenum">
               <a:rPr lang="es-ES" smtClean="0"/>
               <a:pPr/>
-              <a:t>‹Nº›</a:t>
+              <a:t>‹Nr.›</a:t>
             </a:fld>
             <a:endParaRPr lang="es-ES"/>
           </a:p>
@@ -3093,8 +3095,8 @@
         </p:nvSpPr>
         <p:spPr>
           <a:xfrm>
-            <a:off x="755576" y="1772816"/>
-            <a:ext cx="7772400" cy="1470025"/>
+            <a:off x="0" y="1484784"/>
+            <a:ext cx="9144000" cy="1470025"/>
           </a:xfrm>
         </p:spPr>
         <p:txBody>
@@ -3132,8 +3134,8 @@
         </p:nvSpPr>
         <p:spPr>
           <a:xfrm>
-            <a:off x="2486408" y="4509120"/>
-            <a:ext cx="6657592" cy="1938992"/>
+            <a:off x="323528" y="5085184"/>
+            <a:ext cx="8460432" cy="1200328"/>
           </a:xfrm>
           <a:prstGeom prst="rect">
             <a:avLst/>
@@ -3141,13 +3143,14 @@
           <a:noFill/>
         </p:spPr>
         <p:txBody>
-          <a:bodyPr wrap="none" rtlCol="0">
+          <a:bodyPr wrap="square" rtlCol="0">
             <a:spAutoFit/>
           </a:bodyPr>
           <a:lstStyle/>
           <a:p>
-            <a:r>
-              <a:rPr lang="es-ES" sz="4000" dirty="0" smtClean="0">
+            <a:pPr algn="r"/>
+            <a:r>
+              <a:rPr lang="es-ES" sz="2400" dirty="0" smtClean="0">
                 <a:solidFill>
                   <a:srgbClr val="FF0000"/>
                 </a:solidFill>
@@ -3156,15 +3159,16 @@
               <a:t>Enrique</a:t>
             </a:r>
             <a:r>
-              <a:rPr lang="es-ES" sz="4000" dirty="0" smtClean="0">
+              <a:rPr lang="es-ES" sz="2400" dirty="0" smtClean="0">
                 <a:latin typeface="Lucida Sans" pitchFamily="34" charset="0"/>
               </a:rPr>
               <a:t> Acedo Dorado</a:t>
             </a:r>
           </a:p>
           <a:p>
-            <a:r>
-              <a:rPr lang="es-ES" sz="4000" dirty="0" smtClean="0">
+            <a:pPr algn="r"/>
+            <a:r>
+              <a:rPr lang="es-ES" sz="2400" dirty="0" smtClean="0">
                 <a:solidFill>
                   <a:srgbClr val="FF0000"/>
                 </a:solidFill>
@@ -3173,15 +3177,16 @@
               <a:t>Adrián</a:t>
             </a:r>
             <a:r>
-              <a:rPr lang="es-ES" sz="4000" dirty="0" smtClean="0">
+              <a:rPr lang="es-ES" sz="2400" dirty="0" smtClean="0">
                 <a:latin typeface="Lucida Sans" pitchFamily="34" charset="0"/>
               </a:rPr>
               <a:t> Ojeda Cabra</a:t>
             </a:r>
           </a:p>
           <a:p>
-            <a:r>
-              <a:rPr lang="es-ES" sz="4000" dirty="0" smtClean="0">
+            <a:pPr algn="r"/>
+            <a:r>
+              <a:rPr lang="es-ES" sz="2400" dirty="0" smtClean="0">
                 <a:solidFill>
                   <a:srgbClr val="FF0000"/>
                 </a:solidFill>
@@ -3190,17 +3195,48 @@
               <a:t>Luis Miguel </a:t>
             </a:r>
             <a:r>
-              <a:rPr lang="es-ES" sz="4000" dirty="0" smtClean="0">
+              <a:rPr lang="es-ES" sz="2400" dirty="0" smtClean="0">
                 <a:latin typeface="Lucida Sans" pitchFamily="34" charset="0"/>
               </a:rPr>
               <a:t>García Martín </a:t>
             </a:r>
-            <a:endParaRPr lang="es-ES" sz="4000" dirty="0" smtClean="0">
+            <a:endParaRPr lang="es-ES" sz="2400" dirty="0" smtClean="0">
               <a:solidFill>
                 <a:srgbClr val="FF0000"/>
               </a:solidFill>
               <a:latin typeface="Lucida Sans" pitchFamily="34" charset="0"/>
             </a:endParaRPr>
+          </a:p>
+        </p:txBody>
+      </p:sp>
+      <p:sp>
+        <p:nvSpPr>
+          <p:cNvPr id="3" name="CuadroTexto 2"/>
+          <p:cNvSpPr txBox="1"/>
+          <p:nvPr/>
+        </p:nvSpPr>
+        <p:spPr>
+          <a:xfrm>
+            <a:off x="0" y="3501008"/>
+            <a:ext cx="9144000" cy="400110"/>
+          </a:xfrm>
+          <a:prstGeom prst="rect">
+            <a:avLst/>
+          </a:prstGeom>
+          <a:noFill/>
+        </p:spPr>
+        <p:txBody>
+          <a:bodyPr wrap="square" rtlCol="0">
+            <a:spAutoFit/>
+          </a:bodyPr>
+          <a:lstStyle/>
+          <a:p>
+            <a:pPr algn="ctr"/>
+            <a:r>
+              <a:rPr lang="es-ES" sz="2000" b="1" dirty="0"/>
+              <a:t>Diseño de software y metodologías de desarrollo</a:t>
+            </a:r>
+            <a:endParaRPr lang="es-ES" sz="2000" dirty="0"/>
           </a:p>
         </p:txBody>
       </p:sp>
@@ -3212,7 +3248,7 @@
   <p:timing>
     <p:tnLst>
       <p:par>
-        <p:cTn id="1" dur="indefinite" restart="never" nodeType="tmRoot"/>
+        <p:cTn xmlns:p14="http://schemas.microsoft.com/office/powerpoint/2010/main" id="1" dur="indefinite" restart="never" nodeType="tmRoot"/>
       </p:par>
     </p:tnLst>
   </p:timing>
@@ -3275,12 +3311,6 @@
               </a:rPr>
               <a:t>general</a:t>
             </a:r>
-            <a:endParaRPr lang="es-ES" sz="4000" dirty="0" smtClean="0">
-              <a:solidFill>
-                <a:srgbClr val="FF0000"/>
-              </a:solidFill>
-              <a:latin typeface="Lucida Sans" pitchFamily="34" charset="0"/>
-            </a:endParaRPr>
           </a:p>
         </p:txBody>
       </p:sp>
@@ -3292,8 +3322,8 @@
         </p:nvSpPr>
         <p:spPr>
           <a:xfrm>
-            <a:off x="971600" y="2132856"/>
-            <a:ext cx="7848872" cy="3170099"/>
+            <a:off x="683568" y="2132856"/>
+            <a:ext cx="8460432" cy="2554545"/>
           </a:xfrm>
           <a:prstGeom prst="rect">
             <a:avLst/>
@@ -3306,7 +3336,7 @@
           </a:bodyPr>
           <a:lstStyle/>
           <a:p>
-            <a:pPr>
+            <a:pPr lvl="1">
               <a:buFont typeface="Arial" pitchFamily="34" charset="0"/>
               <a:buChar char="•"/>
             </a:pPr>
@@ -3333,7 +3363,7 @@
             </a:r>
           </a:p>
           <a:p>
-            <a:pPr>
+            <a:pPr lvl="1">
               <a:buFont typeface="Arial" pitchFamily="34" charset="0"/>
               <a:buChar char="•"/>
             </a:pPr>
@@ -3356,11 +3386,11 @@
               <a:rPr lang="es-ES" sz="4000" dirty="0" smtClean="0">
                 <a:latin typeface="Lucida Sans" pitchFamily="34" charset="0"/>
               </a:rPr>
-              <a:t>: cada jugador tiene una con preferencia de sus fichas cuando salen de casa</a:t>
-            </a:r>
-          </a:p>
-          <a:p>
-            <a:pPr>
+              <a:t>: cada jugador tiene una de su color</a:t>
+            </a:r>
+          </a:p>
+          <a:p>
+            <a:pPr lvl="1">
               <a:buFont typeface="Arial" pitchFamily="34" charset="0"/>
               <a:buChar char="•"/>
             </a:pPr>
@@ -3385,9 +3415,6 @@
               </a:rPr>
               <a:t>: no te pueden comer</a:t>
             </a:r>
-            <a:endParaRPr lang="es-ES" sz="4000" dirty="0" smtClean="0">
-              <a:latin typeface="Lucida Sans" pitchFamily="34" charset="0"/>
-            </a:endParaRPr>
           </a:p>
         </p:txBody>
       </p:sp>
@@ -3399,7 +3426,7 @@
   <p:timing>
     <p:tnLst>
       <p:par>
-        <p:cTn id="1" dur="indefinite" restart="never" nodeType="tmRoot"/>
+        <p:cTn xmlns:p14="http://schemas.microsoft.com/office/powerpoint/2010/main" id="1" dur="indefinite" restart="never" nodeType="tmRoot"/>
       </p:par>
     </p:tnLst>
   </p:timing>
@@ -3462,12 +3489,6 @@
               </a:rPr>
               <a:t>de color</a:t>
             </a:r>
-            <a:endParaRPr lang="es-ES" sz="4000" dirty="0" smtClean="0">
-              <a:solidFill>
-                <a:srgbClr val="FF0000"/>
-              </a:solidFill>
-              <a:latin typeface="Lucida Sans" pitchFamily="34" charset="0"/>
-            </a:endParaRPr>
           </a:p>
         </p:txBody>
       </p:sp>
@@ -3493,7 +3514,7 @@
           </a:bodyPr>
           <a:lstStyle/>
           <a:p>
-            <a:pPr>
+            <a:pPr lvl="1">
               <a:buFont typeface="Arial" pitchFamily="34" charset="0"/>
               <a:buChar char="•"/>
             </a:pPr>
@@ -3518,12 +3539,9 @@
               </a:rPr>
               <a:t>: puedes rebotar</a:t>
             </a:r>
-            <a:endParaRPr lang="es-ES" sz="4000" dirty="0" smtClean="0">
-              <a:latin typeface="Lucida Sans" pitchFamily="34" charset="0"/>
-            </a:endParaRPr>
-          </a:p>
-          <a:p>
-            <a:pPr>
+          </a:p>
+          <a:p>
+            <a:pPr lvl="1">
               <a:buFont typeface="Arial" pitchFamily="34" charset="0"/>
               <a:buChar char="•"/>
             </a:pPr>
@@ -3548,9 +3566,6 @@
               </a:rPr>
               <a:t>: final del recorrido para la ficha</a:t>
             </a:r>
-            <a:endParaRPr lang="es-ES" sz="4000" dirty="0" smtClean="0">
-              <a:latin typeface="Lucida Sans" pitchFamily="34" charset="0"/>
-            </a:endParaRPr>
           </a:p>
         </p:txBody>
       </p:sp>
@@ -3562,7 +3577,7 @@
   <p:timing>
     <p:tnLst>
       <p:par>
-        <p:cTn id="1" dur="indefinite" restart="never" nodeType="tmRoot"/>
+        <p:cTn xmlns:p14="http://schemas.microsoft.com/office/powerpoint/2010/main" id="1" dur="indefinite" restart="never" nodeType="tmRoot"/>
       </p:par>
     </p:tnLst>
   </p:timing>
@@ -3586,55 +3601,36 @@
           <a:chExt cx="0" cy="0"/>
         </a:xfrm>
       </p:grpSpPr>
-      <p:sp>
-        <p:nvSpPr>
-          <p:cNvPr id="4" name="3 CuadroTexto"/>
-          <p:cNvSpPr txBox="1"/>
+      <p:pic>
+        <p:nvPicPr>
+          <p:cNvPr id="3" name="Imagen 2" descr="Captura de pantalla 2015-10-27 a las 21.41.17.png"/>
+          <p:cNvPicPr>
+            <a:picLocks noChangeAspect="1"/>
+          </p:cNvPicPr>
           <p:nvPr/>
-        </p:nvSpPr>
+        </p:nvPicPr>
+        <p:blipFill>
+          <a:blip r:embed="rId2">
+            <a:extLst>
+              <a:ext uri="{28A0092B-C50C-407E-A947-70E740481C1C}">
+                <a14:useLocalDpi xmlns:a14="http://schemas.microsoft.com/office/drawing/2010/main" val="0"/>
+              </a:ext>
+            </a:extLst>
+          </a:blip>
+          <a:stretch>
+            <a:fillRect/>
+          </a:stretch>
+        </p:blipFill>
         <p:spPr>
           <a:xfrm>
-            <a:off x="899592" y="2492896"/>
-            <a:ext cx="7920880" cy="1323439"/>
+            <a:off x="1043608" y="332656"/>
+            <a:ext cx="7542207" cy="6410444"/>
           </a:xfrm>
           <a:prstGeom prst="rect">
             <a:avLst/>
           </a:prstGeom>
-          <a:noFill/>
         </p:spPr>
-        <p:txBody>
-          <a:bodyPr wrap="square" rtlCol="0">
-            <a:spAutoFit/>
-          </a:bodyPr>
-          <a:lstStyle/>
-          <a:p>
-            <a:r>
-              <a:rPr lang="es-ES" sz="4000" dirty="0" smtClean="0">
-                <a:latin typeface="Lucida Sans" pitchFamily="34" charset="0"/>
-              </a:rPr>
-              <a:t>Insertar </a:t>
-            </a:r>
-            <a:r>
-              <a:rPr lang="es-ES" sz="4000" dirty="0" err="1" smtClean="0">
-                <a:latin typeface="Lucida Sans" pitchFamily="34" charset="0"/>
-              </a:rPr>
-              <a:t>uml</a:t>
-            </a:r>
-            <a:r>
-              <a:rPr lang="es-ES" sz="4000" dirty="0" smtClean="0">
-                <a:latin typeface="Lucida Sans" pitchFamily="34" charset="0"/>
-              </a:rPr>
-              <a:t> de recorridos y casillas</a:t>
-            </a:r>
-            <a:endParaRPr lang="es-ES" sz="4000" dirty="0" smtClean="0">
-              <a:solidFill>
-                <a:srgbClr val="FF0000"/>
-              </a:solidFill>
-              <a:latin typeface="Lucida Sans" pitchFamily="34" charset="0"/>
-            </a:endParaRPr>
-          </a:p>
-        </p:txBody>
-      </p:sp>
+      </p:pic>
     </p:spTree>
   </p:cSld>
   <p:clrMapOvr>
@@ -3643,7 +3639,7 @@
   <p:timing>
     <p:tnLst>
       <p:par>
-        <p:cTn id="1" dur="indefinite" restart="never" nodeType="tmRoot"/>
+        <p:cTn xmlns:p14="http://schemas.microsoft.com/office/powerpoint/2010/main" id="1" dur="indefinite" restart="never" nodeType="tmRoot"/>
       </p:par>
     </p:tnLst>
   </p:timing>
@@ -3718,7 +3714,7 @@
   <p:timing>
     <p:tnLst>
       <p:par>
-        <p:cTn id="1" dur="indefinite" restart="never" nodeType="tmRoot"/>
+        <p:cTn xmlns:p14="http://schemas.microsoft.com/office/powerpoint/2010/main" id="1" dur="indefinite" restart="never" nodeType="tmRoot"/>
       </p:par>
     </p:tnLst>
   </p:timing>
@@ -3750,8 +3746,8 @@
         </p:nvSpPr>
         <p:spPr>
           <a:xfrm>
-            <a:off x="899593" y="404664"/>
-            <a:ext cx="8064896" cy="3785652"/>
+            <a:off x="539552" y="932522"/>
+            <a:ext cx="8064896" cy="5016758"/>
           </a:xfrm>
           <a:prstGeom prst="rect">
             <a:avLst/>
@@ -3795,18 +3791,9 @@
               <a:buFont typeface="Arial" pitchFamily="34" charset="0"/>
               <a:buChar char="•"/>
             </a:pPr>
-            <a:r>
-              <a:rPr lang="es-ES" sz="4000" dirty="0" smtClean="0">
-                <a:latin typeface="Lucida Sans" pitchFamily="34" charset="0"/>
-              </a:rPr>
-              <a:t> </a:t>
-            </a:r>
-            <a:r>
-              <a:rPr lang="es-ES" sz="4000" dirty="0" smtClean="0">
-                <a:latin typeface="Lucida Sans" pitchFamily="34" charset="0"/>
-              </a:rPr>
-              <a:t>Comportamiento determinado por ser humano o IA</a:t>
-            </a:r>
+            <a:endParaRPr lang="es-ES" sz="4000" dirty="0" smtClean="0">
+              <a:latin typeface="Lucida Sans" pitchFamily="34" charset="0"/>
+            </a:endParaRPr>
           </a:p>
           <a:p>
             <a:pPr>
@@ -3817,13 +3804,28 @@
               <a:rPr lang="es-ES" sz="4000" dirty="0" smtClean="0">
                 <a:latin typeface="Lucida Sans" pitchFamily="34" charset="0"/>
               </a:rPr>
-              <a:t> </a:t>
-            </a:r>
-            <a:r>
-              <a:rPr lang="es-ES" sz="4000" dirty="0" smtClean="0">
-                <a:latin typeface="Lucida Sans" pitchFamily="34" charset="0"/>
-              </a:rPr>
-              <a:t>Elige qué ficha mover entre las posibles</a:t>
+              <a:t> Comportamiento determinado por ser humano o IA</a:t>
+            </a:r>
+          </a:p>
+          <a:p>
+            <a:pPr>
+              <a:buFont typeface="Arial" pitchFamily="34" charset="0"/>
+              <a:buChar char="•"/>
+            </a:pPr>
+            <a:endParaRPr lang="es-ES" sz="4000" dirty="0" smtClean="0">
+              <a:latin typeface="Lucida Sans" pitchFamily="34" charset="0"/>
+            </a:endParaRPr>
+          </a:p>
+          <a:p>
+            <a:pPr>
+              <a:buFont typeface="Arial" pitchFamily="34" charset="0"/>
+              <a:buChar char="•"/>
+            </a:pPr>
+            <a:r>
+              <a:rPr lang="es-ES" sz="4000" dirty="0" smtClean="0">
+                <a:latin typeface="Lucida Sans" pitchFamily="34" charset="0"/>
+              </a:rPr>
+              <a:t> Elige qué ficha mover entre las posibles</a:t>
             </a:r>
           </a:p>
         </p:txBody>
@@ -3836,7 +3838,7 @@
   <p:timing>
     <p:tnLst>
       <p:par>
-        <p:cTn id="1" dur="indefinite" restart="never" nodeType="tmRoot"/>
+        <p:cTn xmlns:p14="http://schemas.microsoft.com/office/powerpoint/2010/main" id="1" dur="indefinite" restart="never" nodeType="tmRoot"/>
       </p:par>
     </p:tnLst>
   </p:timing>
@@ -3868,7 +3870,7 @@
         </p:nvSpPr>
         <p:spPr>
           <a:xfrm>
-            <a:off x="899593" y="404664"/>
+            <a:off x="539552" y="1260043"/>
             <a:ext cx="8064896" cy="4401205"/>
           </a:xfrm>
           <a:prstGeom prst="rect">
@@ -3886,13 +3888,7 @@
               <a:rPr lang="es-ES" sz="4000" dirty="0" smtClean="0">
                 <a:latin typeface="Lucida Sans" pitchFamily="34" charset="0"/>
               </a:rPr>
-              <a:t>Para implementar el jugador usamos el patrón </a:t>
-            </a:r>
-            <a:r>
-              <a:rPr lang="es-ES" sz="4000" dirty="0" smtClean="0">
-                <a:latin typeface="Lucida Sans" pitchFamily="34" charset="0"/>
-              </a:rPr>
-              <a:t>de comportamiento </a:t>
+              <a:t>Para implementar el jugador usamos el patrón de comportamiento </a:t>
             </a:r>
             <a:r>
               <a:rPr lang="es-ES" sz="4000" dirty="0" err="1" smtClean="0">
@@ -3907,25 +3903,7 @@
               <a:rPr lang="es-ES" sz="4000" dirty="0" smtClean="0">
                 <a:latin typeface="Lucida Sans" pitchFamily="34" charset="0"/>
               </a:rPr>
-              <a:t>. Cada jugador </a:t>
-            </a:r>
-            <a:r>
-              <a:rPr lang="es-ES" sz="4000" dirty="0" err="1" smtClean="0">
-                <a:latin typeface="Lucida Sans" pitchFamily="34" charset="0"/>
-              </a:rPr>
-              <a:t>tendra</a:t>
-            </a:r>
-            <a:r>
-              <a:rPr lang="es-ES" sz="4000" dirty="0" smtClean="0">
-                <a:latin typeface="Lucida Sans" pitchFamily="34" charset="0"/>
-              </a:rPr>
-              <a:t> un comportamiento dependiendo de su </a:t>
-            </a:r>
-            <a:r>
-              <a:rPr lang="es-ES" sz="4000" dirty="0" smtClean="0">
-                <a:latin typeface="Lucida Sans" pitchFamily="34" charset="0"/>
-              </a:rPr>
-              <a:t>estado, ya sea IA o humano.</a:t>
+              <a:t>. Cada jugador tendrá un comportamiento dependiendo de su estado, ya sea IA o humano.</a:t>
             </a:r>
           </a:p>
         </p:txBody>
@@ -3938,7 +3916,7 @@
   <p:timing>
     <p:tnLst>
       <p:par>
-        <p:cTn id="1" dur="indefinite" restart="never" nodeType="tmRoot"/>
+        <p:cTn xmlns:p14="http://schemas.microsoft.com/office/powerpoint/2010/main" id="1" dur="indefinite" restart="never" nodeType="tmRoot"/>
       </p:par>
     </p:tnLst>
   </p:timing>
@@ -3962,43 +3940,36 @@
           <a:chExt cx="0" cy="0"/>
         </a:xfrm>
       </p:grpSpPr>
-      <p:sp>
-        <p:nvSpPr>
-          <p:cNvPr id="4" name="3 CuadroTexto"/>
-          <p:cNvSpPr txBox="1"/>
+      <p:pic>
+        <p:nvPicPr>
+          <p:cNvPr id="2" name="Imagen 1" descr="Captura de pantalla 2015-10-27 a las 21.42.35.png"/>
+          <p:cNvPicPr>
+            <a:picLocks noChangeAspect="1"/>
+          </p:cNvPicPr>
           <p:nvPr/>
-        </p:nvSpPr>
+        </p:nvPicPr>
+        <p:blipFill>
+          <a:blip r:embed="rId2">
+            <a:extLst>
+              <a:ext uri="{28A0092B-C50C-407E-A947-70E740481C1C}">
+                <a14:useLocalDpi xmlns:a14="http://schemas.microsoft.com/office/drawing/2010/main" val="0"/>
+              </a:ext>
+            </a:extLst>
+          </a:blip>
+          <a:stretch>
+            <a:fillRect/>
+          </a:stretch>
+        </p:blipFill>
         <p:spPr>
           <a:xfrm>
-            <a:off x="827584" y="2420888"/>
-            <a:ext cx="8064896" cy="707886"/>
+            <a:off x="2207540" y="0"/>
+            <a:ext cx="4821285" cy="6858000"/>
           </a:xfrm>
           <a:prstGeom prst="rect">
             <a:avLst/>
           </a:prstGeom>
-          <a:noFill/>
         </p:spPr>
-        <p:txBody>
-          <a:bodyPr wrap="square" rtlCol="0">
-            <a:spAutoFit/>
-          </a:bodyPr>
-          <a:lstStyle/>
-          <a:p>
-            <a:r>
-              <a:rPr lang="es-ES" sz="4000" dirty="0" err="1" smtClean="0">
-                <a:latin typeface="Lucida Sans" pitchFamily="34" charset="0"/>
-              </a:rPr>
-              <a:t>Uml</a:t>
-            </a:r>
-            <a:r>
-              <a:rPr lang="es-ES" sz="4000" dirty="0" smtClean="0">
-                <a:latin typeface="Lucida Sans" pitchFamily="34" charset="0"/>
-              </a:rPr>
-              <a:t> jugador</a:t>
-            </a:r>
-          </a:p>
-        </p:txBody>
-      </p:sp>
+      </p:pic>
     </p:spTree>
   </p:cSld>
   <p:clrMapOvr>
@@ -4007,7 +3978,7 @@
   <p:timing>
     <p:tnLst>
       <p:par>
-        <p:cTn id="1" dur="indefinite" restart="never" nodeType="tmRoot"/>
+        <p:cTn xmlns:p14="http://schemas.microsoft.com/office/powerpoint/2010/main" id="1" dur="indefinite" restart="never" nodeType="tmRoot"/>
       </p:par>
     </p:tnLst>
   </p:timing>
@@ -4066,6 +4037,24 @@
                 </a:solidFill>
                 <a:latin typeface="Lucida Sans" pitchFamily="34" charset="0"/>
               </a:rPr>
+              <a:t>juez </a:t>
+            </a:r>
+            <a:r>
+              <a:rPr lang="es-ES" sz="8800" b="1" dirty="0" smtClean="0">
+                <a:solidFill>
+                  <a:srgbClr val="0D0D0D"/>
+                </a:solidFill>
+                <a:latin typeface="Lucida Sans" pitchFamily="34" charset="0"/>
+              </a:rPr>
+              <a:t>y el </a:t>
+            </a:r>
+            <a:r>
+              <a:rPr lang="es-ES" sz="8800" b="1" dirty="0" smtClean="0">
+                <a:solidFill>
+                  <a:srgbClr val="FF0000"/>
+                </a:solidFill>
+                <a:latin typeface="Lucida Sans" pitchFamily="34" charset="0"/>
+              </a:rPr>
               <a:t>dado</a:t>
             </a:r>
             <a:endParaRPr lang="es-ES" sz="8800" b="1" dirty="0">
@@ -4082,7 +4071,7 @@
   <p:timing>
     <p:tnLst>
       <p:par>
-        <p:cTn id="1" dur="indefinite" restart="never" nodeType="tmRoot"/>
+        <p:cTn xmlns:p14="http://schemas.microsoft.com/office/powerpoint/2010/main" id="1" dur="indefinite" restart="never" nodeType="tmRoot"/>
       </p:par>
     </p:tnLst>
   </p:timing>
@@ -4115,7 +4104,7 @@
         <p:spPr>
           <a:xfrm>
             <a:off x="899593" y="404664"/>
-            <a:ext cx="8064896" cy="3170099"/>
+            <a:ext cx="8064896" cy="4401205"/>
           </a:xfrm>
           <a:prstGeom prst="rect">
             <a:avLst/>
@@ -4145,25 +4134,13 @@
                 </a:solidFill>
                 <a:latin typeface="Lucida Sans" pitchFamily="34" charset="0"/>
               </a:rPr>
-              <a:t>dado</a:t>
-            </a:r>
-            <a:r>
-              <a:rPr lang="es-ES" sz="4000" dirty="0" smtClean="0">
-                <a:latin typeface="Lucida Sans" pitchFamily="34" charset="0"/>
-              </a:rPr>
-              <a:t> para todos</a:t>
-            </a:r>
-            <a:r>
-              <a:rPr lang="es-ES" sz="4000" dirty="0" smtClean="0">
-                <a:latin typeface="Lucida Sans" pitchFamily="34" charset="0"/>
-              </a:rPr>
-              <a:t> </a:t>
-            </a:r>
-            <a:r>
-              <a:rPr lang="es-ES" sz="4000" dirty="0" smtClean="0">
-                <a:latin typeface="Lucida Sans" pitchFamily="34" charset="0"/>
-              </a:rPr>
-              <a:t>los jugadores</a:t>
+              <a:t>juez </a:t>
+            </a:r>
+            <a:r>
+              <a:rPr lang="es-ES" sz="4000" dirty="0" smtClean="0">
+                <a:latin typeface="Lucida Sans" pitchFamily="34" charset="0"/>
+              </a:rPr>
+              <a:t>para todos los jugadores</a:t>
             </a:r>
           </a:p>
           <a:p>
@@ -4171,21 +4148,21 @@
               <a:buFont typeface="Arial" pitchFamily="34" charset="0"/>
               <a:buChar char="•"/>
             </a:pPr>
-            <a:r>
-              <a:rPr lang="es-ES" sz="4000" dirty="0" smtClean="0">
-                <a:latin typeface="Lucida Sans" pitchFamily="34" charset="0"/>
-              </a:rPr>
-              <a:t> </a:t>
-            </a:r>
-            <a:r>
-              <a:rPr lang="es-ES" sz="4000" dirty="0" smtClean="0">
-                <a:latin typeface="Lucida Sans" pitchFamily="34" charset="0"/>
-              </a:rPr>
-              <a:t>Tras tirarlo se mueve una ficha, de ser posible, el número que marca la cara boca arriba.</a:t>
-            </a:r>
             <a:endParaRPr lang="es-ES" sz="4000" dirty="0" smtClean="0">
               <a:latin typeface="Lucida Sans" pitchFamily="34" charset="0"/>
             </a:endParaRPr>
+          </a:p>
+          <a:p>
+            <a:pPr>
+              <a:buFont typeface="Arial" pitchFamily="34" charset="0"/>
+              <a:buChar char="•"/>
+            </a:pPr>
+            <a:r>
+              <a:rPr lang="es-ES" sz="4000" dirty="0" smtClean="0">
+                <a:latin typeface="Lucida Sans" pitchFamily="34" charset="0"/>
+              </a:rPr>
+              <a:t> Se encarga de controlar que los movimientos se hagan correctamente y se sigan las reglas del juego</a:t>
+            </a:r>
           </a:p>
         </p:txBody>
       </p:sp>
@@ -4197,7 +4174,7 @@
   <p:timing>
     <p:tnLst>
       <p:par>
-        <p:cTn id="1" dur="indefinite" restart="never" nodeType="tmRoot"/>
+        <p:cTn xmlns:p14="http://schemas.microsoft.com/office/powerpoint/2010/main" id="1" dur="indefinite" restart="never" nodeType="tmRoot"/>
       </p:par>
     </p:tnLst>
   </p:timing>
@@ -4230,7 +4207,7 @@
         <p:spPr>
           <a:xfrm>
             <a:off x="899593" y="404664"/>
-            <a:ext cx="8064896" cy="2554545"/>
+            <a:ext cx="8064896" cy="3170099"/>
           </a:xfrm>
           <a:prstGeom prst="rect">
             <a:avLst/>
@@ -4243,65 +4220,52 @@
           </a:bodyPr>
           <a:lstStyle/>
           <a:p>
-            <a:r>
-              <a:rPr lang="es-ES" sz="4000" dirty="0" smtClean="0">
-                <a:latin typeface="Lucida Sans" pitchFamily="34" charset="0"/>
-              </a:rPr>
-              <a:t>Lo implementamos con un patrón de construcción </a:t>
-            </a:r>
-            <a:r>
-              <a:rPr lang="es-ES" sz="4000" dirty="0" err="1" smtClean="0">
+            <a:pPr>
+              <a:buFont typeface="Arial" pitchFamily="34" charset="0"/>
+              <a:buChar char="•"/>
+            </a:pPr>
+            <a:r>
+              <a:rPr lang="es-ES" sz="4000" dirty="0" smtClean="0">
+                <a:latin typeface="Lucida Sans" pitchFamily="34" charset="0"/>
+              </a:rPr>
+              <a:t> Hay un único </a:t>
+            </a:r>
+            <a:r>
+              <a:rPr lang="es-ES" sz="4000" dirty="0" smtClean="0">
                 <a:solidFill>
                   <a:srgbClr val="FF0000"/>
                 </a:solidFill>
                 <a:latin typeface="Lucida Sans" pitchFamily="34" charset="0"/>
               </a:rPr>
-              <a:t>singleton</a:t>
-            </a:r>
-            <a:r>
-              <a:rPr lang="es-ES" sz="4000" dirty="0" smtClean="0">
-                <a:latin typeface="Lucida Sans" pitchFamily="34" charset="0"/>
-              </a:rPr>
-              <a:t> y así solo tenemos una instancia de dado</a:t>
-            </a:r>
-          </a:p>
-        </p:txBody>
-      </p:sp>
-      <p:sp>
-        <p:nvSpPr>
-          <p:cNvPr id="3" name="2 CuadroTexto"/>
-          <p:cNvSpPr txBox="1"/>
-          <p:nvPr/>
-        </p:nvSpPr>
-        <p:spPr>
-          <a:xfrm>
-            <a:off x="3275856" y="4149080"/>
-            <a:ext cx="1326389" cy="369332"/>
-          </a:xfrm>
-          <a:prstGeom prst="rect">
-            <a:avLst/>
-          </a:prstGeom>
-          <a:noFill/>
-        </p:spPr>
-        <p:txBody>
-          <a:bodyPr wrap="none" rtlCol="0">
-            <a:spAutoFit/>
-          </a:bodyPr>
-          <a:lstStyle/>
-          <a:p>
-            <a:r>
-              <a:rPr lang="es-ES" dirty="0" smtClean="0"/>
-              <a:t>Insertar </a:t>
-            </a:r>
-            <a:r>
-              <a:rPr lang="es-ES" dirty="0" err="1" smtClean="0"/>
-              <a:t>uml</a:t>
-            </a:r>
-            <a:endParaRPr lang="es-ES" dirty="0"/>
+              <a:t>dado</a:t>
+            </a:r>
+            <a:r>
+              <a:rPr lang="es-ES" sz="4000" dirty="0" smtClean="0">
+                <a:latin typeface="Lucida Sans" pitchFamily="34" charset="0"/>
+              </a:rPr>
+              <a:t> para todos los jugadores</a:t>
+            </a:r>
+          </a:p>
+          <a:p>
+            <a:pPr>
+              <a:buFont typeface="Arial" pitchFamily="34" charset="0"/>
+              <a:buChar char="•"/>
+            </a:pPr>
+            <a:r>
+              <a:rPr lang="es-ES" sz="4000" dirty="0" smtClean="0">
+                <a:latin typeface="Lucida Sans" pitchFamily="34" charset="0"/>
+              </a:rPr>
+              <a:t> Tras tirarlo se mueve una ficha, de ser posible, el número que marca la cara boca arriba.</a:t>
+            </a:r>
           </a:p>
         </p:txBody>
       </p:sp>
     </p:spTree>
+    <p:extLst>
+      <p:ext uri="{BB962C8B-B14F-4D97-AF65-F5344CB8AC3E}">
+        <p14:creationId xmlns:p14="http://schemas.microsoft.com/office/powerpoint/2010/main" val="1857723063"/>
+      </p:ext>
+    </p:extLst>
   </p:cSld>
   <p:clrMapOvr>
     <a:masterClrMapping/>
@@ -4309,7 +4273,7 @@
   <p:timing>
     <p:tnLst>
       <p:par>
-        <p:cTn id="1" dur="indefinite" restart="never" nodeType="tmRoot"/>
+        <p:cTn xmlns:p14="http://schemas.microsoft.com/office/powerpoint/2010/main" id="1" dur="indefinite" restart="never" nodeType="tmRoot"/>
       </p:par>
     </p:tnLst>
   </p:timing>
@@ -4350,7 +4314,7 @@
         </p:blipFill>
         <p:spPr bwMode="auto">
           <a:xfrm>
-            <a:off x="1763688" y="692696"/>
+            <a:off x="1691680" y="594320"/>
             <a:ext cx="5715000" cy="5715000"/>
           </a:xfrm>
           <a:prstGeom prst="rect">
@@ -4367,7 +4331,7 @@
   <p:timing>
     <p:tnLst>
       <p:par>
-        <p:cTn id="1" dur="indefinite" restart="never" nodeType="tmRoot"/>
+        <p:cTn xmlns:p14="http://schemas.microsoft.com/office/powerpoint/2010/main" id="1" dur="indefinite" restart="never" nodeType="tmRoot"/>
       </p:par>
     </p:tnLst>
   </p:timing>
@@ -4393,50 +4357,56 @@
       </p:grpSpPr>
       <p:sp>
         <p:nvSpPr>
-          <p:cNvPr id="2" name="1 Título"/>
-          <p:cNvSpPr>
-            <a:spLocks noGrp="1"/>
-          </p:cNvSpPr>
-          <p:nvPr>
-            <p:ph type="ctrTitle"/>
-          </p:nvPr>
+          <p:cNvPr id="4" name="3 CuadroTexto"/>
+          <p:cNvSpPr txBox="1"/>
+          <p:nvPr/>
         </p:nvSpPr>
         <p:spPr>
           <a:xfrm>
-            <a:off x="611560" y="2132856"/>
-            <a:ext cx="7772400" cy="1470025"/>
+            <a:off x="899593" y="404664"/>
+            <a:ext cx="8064896" cy="2554545"/>
           </a:xfrm>
+          <a:prstGeom prst="rect">
+            <a:avLst/>
+          </a:prstGeom>
+          <a:noFill/>
         </p:spPr>
         <p:txBody>
-          <a:bodyPr>
-            <a:noAutofit/>
+          <a:bodyPr wrap="square" rtlCol="0">
+            <a:spAutoFit/>
           </a:bodyPr>
           <a:lstStyle/>
           <a:p>
             <a:r>
-              <a:rPr lang="es-ES" sz="8800" b="1" dirty="0" smtClean="0">
-                <a:latin typeface="Lucida Sans" pitchFamily="34" charset="0"/>
-              </a:rPr>
-              <a:t>¿Modelando las </a:t>
-            </a:r>
-            <a:r>
-              <a:rPr lang="es-ES" sz="8800" b="1" dirty="0" smtClean="0">
+              <a:rPr lang="es-ES" sz="4000" dirty="0" smtClean="0">
+                <a:latin typeface="Lucida Sans" pitchFamily="34" charset="0"/>
+              </a:rPr>
+              <a:t>Los implementamos con un patrón de construcción </a:t>
+            </a:r>
+            <a:r>
+              <a:rPr lang="es-ES" sz="4000" dirty="0" err="1">
                 <a:solidFill>
                   <a:srgbClr val="FF0000"/>
                 </a:solidFill>
                 <a:latin typeface="Lucida Sans" pitchFamily="34" charset="0"/>
               </a:rPr>
-              <a:t>fichas</a:t>
-            </a:r>
-            <a:r>
-              <a:rPr lang="es-ES" sz="8800" b="1" dirty="0" smtClean="0">
-                <a:latin typeface="Lucida Sans" pitchFamily="34" charset="0"/>
-              </a:rPr>
-              <a:t>?</a:t>
-            </a:r>
-            <a:endParaRPr lang="es-ES" sz="8800" b="1" dirty="0">
-              <a:latin typeface="Lucida Sans" pitchFamily="34" charset="0"/>
-            </a:endParaRPr>
+              <a:t>S</a:t>
+            </a:r>
+            <a:r>
+              <a:rPr lang="es-ES" sz="4000" dirty="0" err="1" smtClean="0">
+                <a:solidFill>
+                  <a:srgbClr val="FF0000"/>
+                </a:solidFill>
+                <a:latin typeface="Lucida Sans" pitchFamily="34" charset="0"/>
+              </a:rPr>
+              <a:t>ingleton</a:t>
+            </a:r>
+            <a:r>
+              <a:rPr lang="es-ES" sz="4000" dirty="0" smtClean="0">
+                <a:latin typeface="Lucida Sans" pitchFamily="34" charset="0"/>
+              </a:rPr>
+              <a:t> y así solo tenemos una instancia de dado y de juez</a:t>
+            </a:r>
           </a:p>
         </p:txBody>
       </p:sp>
@@ -4448,7 +4418,7 @@
   <p:timing>
     <p:tnLst>
       <p:par>
-        <p:cTn id="1" dur="indefinite" restart="never" nodeType="tmRoot"/>
+        <p:cTn xmlns:p14="http://schemas.microsoft.com/office/powerpoint/2010/main" id="1" dur="indefinite" restart="never" nodeType="tmRoot"/>
       </p:par>
     </p:tnLst>
   </p:timing>
@@ -4472,394 +4442,46 @@
           <a:chExt cx="0" cy="0"/>
         </a:xfrm>
       </p:grpSpPr>
-      <p:sp>
-        <p:nvSpPr>
-          <p:cNvPr id="4" name="3 CuadroTexto"/>
-          <p:cNvSpPr txBox="1"/>
+      <p:pic>
+        <p:nvPicPr>
+          <p:cNvPr id="5" name="Imagen 4" descr="Captura de pantalla 2015-10-27 a las 21.47.00.png"/>
+          <p:cNvPicPr>
+            <a:picLocks noChangeAspect="1"/>
+          </p:cNvPicPr>
           <p:nvPr/>
-        </p:nvSpPr>
+        </p:nvPicPr>
+        <p:blipFill>
+          <a:blip r:embed="rId2">
+            <a:extLst>
+              <a:ext uri="{28A0092B-C50C-407E-A947-70E740481C1C}">
+                <a14:useLocalDpi xmlns:a14="http://schemas.microsoft.com/office/drawing/2010/main" val="0"/>
+              </a:ext>
+            </a:extLst>
+          </a:blip>
+          <a:stretch>
+            <a:fillRect/>
+          </a:stretch>
+        </p:blipFill>
         <p:spPr>
           <a:xfrm>
-            <a:off x="899593" y="404664"/>
-            <a:ext cx="8064896" cy="3785652"/>
-          </a:xfrm>
-          <a:prstGeom prst="rect">
-            <a:avLst/>
-          </a:prstGeom>
-          <a:noFill/>
-        </p:spPr>
-        <p:txBody>
-          <a:bodyPr wrap="square" rtlCol="0">
-            <a:spAutoFit/>
-          </a:bodyPr>
-          <a:lstStyle/>
-          <a:p>
-            <a:r>
-              <a:rPr lang="es-ES" sz="4000" dirty="0" smtClean="0">
-                <a:latin typeface="Lucida Sans" pitchFamily="34" charset="0"/>
-              </a:rPr>
-              <a:t>Consideramos que las propias casillas pueden funcionar como </a:t>
-            </a:r>
-            <a:r>
-              <a:rPr lang="es-ES" sz="4000" dirty="0" smtClean="0">
-                <a:solidFill>
-                  <a:srgbClr val="FF0000"/>
-                </a:solidFill>
-                <a:latin typeface="Lucida Sans" pitchFamily="34" charset="0"/>
-              </a:rPr>
-              <a:t>fichas</a:t>
-            </a:r>
-            <a:r>
-              <a:rPr lang="es-ES" sz="4000" dirty="0" smtClean="0">
-                <a:latin typeface="Lucida Sans" pitchFamily="34" charset="0"/>
-              </a:rPr>
-              <a:t> ya que sabemos que solo puede haber 4 y que como mucho una casilla puede tener 2.</a:t>
-            </a:r>
-            <a:endParaRPr lang="es-ES" sz="4000" dirty="0" smtClean="0">
-              <a:latin typeface="Lucida Sans" pitchFamily="34" charset="0"/>
-            </a:endParaRPr>
-          </a:p>
-        </p:txBody>
-      </p:sp>
-      <p:sp>
-        <p:nvSpPr>
-          <p:cNvPr id="5" name="4 Rectángulo"/>
-          <p:cNvSpPr/>
-          <p:nvPr/>
-        </p:nvSpPr>
-        <p:spPr>
-          <a:xfrm>
-            <a:off x="899592" y="4653136"/>
-            <a:ext cx="7776864" cy="1800200"/>
+            <a:off x="1115616" y="332656"/>
+            <a:ext cx="7091404" cy="6195801"/>
           </a:xfrm>
           <a:prstGeom prst="rect">
             <a:avLst/>
           </a:prstGeom>
         </p:spPr>
-        <p:style>
-          <a:lnRef idx="2">
-            <a:schemeClr val="accent1">
-              <a:shade val="50000"/>
-            </a:schemeClr>
-          </a:lnRef>
-          <a:fillRef idx="1">
-            <a:schemeClr val="accent1"/>
-          </a:fillRef>
-          <a:effectRef idx="0">
-            <a:schemeClr val="accent1"/>
-          </a:effectRef>
-          <a:fontRef idx="minor">
-            <a:schemeClr val="lt1"/>
-          </a:fontRef>
-        </p:style>
-        <p:txBody>
-          <a:bodyPr rtlCol="0" anchor="ctr"/>
-          <a:lstStyle/>
-          <a:p>
-            <a:pPr algn="ctr"/>
-            <a:endParaRPr lang="es-ES"/>
-          </a:p>
-        </p:txBody>
-      </p:sp>
-      <p:cxnSp>
-        <p:nvCxnSpPr>
-          <p:cNvPr id="7" name="6 Conector recto"/>
-          <p:cNvCxnSpPr/>
-          <p:nvPr/>
-        </p:nvCxnSpPr>
-        <p:spPr>
-          <a:xfrm>
-            <a:off x="2843808" y="4653136"/>
-            <a:ext cx="0" cy="1800200"/>
-          </a:xfrm>
-          <a:prstGeom prst="line">
-            <a:avLst/>
-          </a:prstGeom>
-          <a:ln w="28575">
-            <a:solidFill>
-              <a:schemeClr val="tx2"/>
-            </a:solidFill>
-          </a:ln>
-        </p:spPr>
-        <p:style>
-          <a:lnRef idx="1">
-            <a:schemeClr val="accent1"/>
-          </a:lnRef>
-          <a:fillRef idx="0">
-            <a:schemeClr val="accent1"/>
-          </a:fillRef>
-          <a:effectRef idx="0">
-            <a:schemeClr val="accent1"/>
-          </a:effectRef>
-          <a:fontRef idx="minor">
-            <a:schemeClr val="tx1"/>
-          </a:fontRef>
-        </p:style>
-      </p:cxnSp>
-      <p:cxnSp>
-        <p:nvCxnSpPr>
-          <p:cNvPr id="11" name="10 Conector recto"/>
-          <p:cNvCxnSpPr/>
-          <p:nvPr/>
-        </p:nvCxnSpPr>
-        <p:spPr>
-          <a:xfrm>
-            <a:off x="4716016" y="4653136"/>
-            <a:ext cx="0" cy="1800200"/>
-          </a:xfrm>
-          <a:prstGeom prst="line">
-            <a:avLst/>
-          </a:prstGeom>
-          <a:ln w="28575">
-            <a:solidFill>
-              <a:schemeClr val="tx2"/>
-            </a:solidFill>
-          </a:ln>
-        </p:spPr>
-        <p:style>
-          <a:lnRef idx="1">
-            <a:schemeClr val="accent1"/>
-          </a:lnRef>
-          <a:fillRef idx="0">
-            <a:schemeClr val="accent1"/>
-          </a:fillRef>
-          <a:effectRef idx="0">
-            <a:schemeClr val="accent1"/>
-          </a:effectRef>
-          <a:fontRef idx="minor">
-            <a:schemeClr val="tx1"/>
-          </a:fontRef>
-        </p:style>
-      </p:cxnSp>
-      <p:cxnSp>
-        <p:nvCxnSpPr>
-          <p:cNvPr id="12" name="11 Conector recto"/>
-          <p:cNvCxnSpPr/>
-          <p:nvPr/>
-        </p:nvCxnSpPr>
-        <p:spPr>
-          <a:xfrm>
-            <a:off x="6660232" y="4653136"/>
-            <a:ext cx="0" cy="1800200"/>
-          </a:xfrm>
-          <a:prstGeom prst="line">
-            <a:avLst/>
-          </a:prstGeom>
-          <a:ln w="28575">
-            <a:solidFill>
-              <a:schemeClr val="tx2"/>
-            </a:solidFill>
-          </a:ln>
-        </p:spPr>
-        <p:style>
-          <a:lnRef idx="1">
-            <a:schemeClr val="accent1"/>
-          </a:lnRef>
-          <a:fillRef idx="0">
-            <a:schemeClr val="accent1"/>
-          </a:fillRef>
-          <a:effectRef idx="0">
-            <a:schemeClr val="accent1"/>
-          </a:effectRef>
-          <a:fontRef idx="minor">
-            <a:schemeClr val="tx1"/>
-          </a:fontRef>
-        </p:style>
-      </p:cxnSp>
-      <p:sp>
-        <p:nvSpPr>
-          <p:cNvPr id="13" name="12 CuadroTexto"/>
-          <p:cNvSpPr txBox="1"/>
-          <p:nvPr/>
-        </p:nvSpPr>
-        <p:spPr>
-          <a:xfrm>
-            <a:off x="1115616" y="5445224"/>
-            <a:ext cx="1512168" cy="461665"/>
-          </a:xfrm>
-          <a:prstGeom prst="rect">
-            <a:avLst/>
-          </a:prstGeom>
-          <a:noFill/>
-        </p:spPr>
-        <p:txBody>
-          <a:bodyPr wrap="square" rtlCol="0">
-            <a:spAutoFit/>
-          </a:bodyPr>
-          <a:lstStyle/>
-          <a:p>
-            <a:r>
-              <a:rPr lang="es-ES" sz="2400" dirty="0" smtClean="0">
-                <a:solidFill>
-                  <a:srgbClr val="FF0000"/>
-                </a:solidFill>
-              </a:rPr>
-              <a:t>Casilla 60</a:t>
-            </a:r>
-            <a:endParaRPr lang="es-ES" sz="2400" dirty="0">
-              <a:solidFill>
-                <a:srgbClr val="FF0000"/>
-              </a:solidFill>
-            </a:endParaRPr>
-          </a:p>
-        </p:txBody>
-      </p:sp>
-      <p:sp>
-        <p:nvSpPr>
-          <p:cNvPr id="14" name="13 CuadroTexto"/>
-          <p:cNvSpPr txBox="1"/>
-          <p:nvPr/>
-        </p:nvSpPr>
-        <p:spPr>
-          <a:xfrm>
-            <a:off x="3059832" y="5445224"/>
-            <a:ext cx="1512168" cy="461665"/>
-          </a:xfrm>
-          <a:prstGeom prst="rect">
-            <a:avLst/>
-          </a:prstGeom>
-          <a:noFill/>
-        </p:spPr>
-        <p:txBody>
-          <a:bodyPr wrap="square" rtlCol="0">
-            <a:spAutoFit/>
-          </a:bodyPr>
-          <a:lstStyle/>
-          <a:p>
-            <a:r>
-              <a:rPr lang="es-ES" sz="2400" dirty="0" smtClean="0">
-                <a:solidFill>
-                  <a:srgbClr val="FF0000"/>
-                </a:solidFill>
-              </a:rPr>
-              <a:t>Casilla 54</a:t>
-            </a:r>
-            <a:endParaRPr lang="es-ES" sz="2400" dirty="0">
-              <a:solidFill>
-                <a:srgbClr val="FF0000"/>
-              </a:solidFill>
-            </a:endParaRPr>
-          </a:p>
-        </p:txBody>
-      </p:sp>
-      <p:sp>
-        <p:nvSpPr>
-          <p:cNvPr id="15" name="14 CuadroTexto"/>
-          <p:cNvSpPr txBox="1"/>
-          <p:nvPr/>
-        </p:nvSpPr>
-        <p:spPr>
-          <a:xfrm>
-            <a:off x="4932040" y="5445224"/>
-            <a:ext cx="1512168" cy="461665"/>
-          </a:xfrm>
-          <a:prstGeom prst="rect">
-            <a:avLst/>
-          </a:prstGeom>
-          <a:noFill/>
-        </p:spPr>
-        <p:txBody>
-          <a:bodyPr wrap="square" rtlCol="0">
-            <a:spAutoFit/>
-          </a:bodyPr>
-          <a:lstStyle/>
-          <a:p>
-            <a:r>
-              <a:rPr lang="es-ES" sz="2400" dirty="0" smtClean="0">
-                <a:solidFill>
-                  <a:srgbClr val="FF0000"/>
-                </a:solidFill>
-              </a:rPr>
-              <a:t>Casilla 20</a:t>
-            </a:r>
-            <a:endParaRPr lang="es-ES" sz="2400" dirty="0">
-              <a:solidFill>
-                <a:srgbClr val="FF0000"/>
-              </a:solidFill>
-            </a:endParaRPr>
-          </a:p>
-        </p:txBody>
-      </p:sp>
-      <p:sp>
-        <p:nvSpPr>
-          <p:cNvPr id="16" name="15 CuadroTexto"/>
-          <p:cNvSpPr txBox="1"/>
-          <p:nvPr/>
-        </p:nvSpPr>
-        <p:spPr>
-          <a:xfrm>
-            <a:off x="6804248" y="5445224"/>
-            <a:ext cx="1512168" cy="461665"/>
-          </a:xfrm>
-          <a:prstGeom prst="rect">
-            <a:avLst/>
-          </a:prstGeom>
-          <a:noFill/>
-        </p:spPr>
-        <p:txBody>
-          <a:bodyPr wrap="square" rtlCol="0">
-            <a:spAutoFit/>
-          </a:bodyPr>
-          <a:lstStyle/>
-          <a:p>
-            <a:r>
-              <a:rPr lang="es-ES" sz="2400" dirty="0" smtClean="0">
-                <a:solidFill>
-                  <a:srgbClr val="FF0000"/>
-                </a:solidFill>
-              </a:rPr>
-              <a:t>Casa</a:t>
-            </a:r>
-            <a:endParaRPr lang="es-ES" sz="2400" dirty="0">
-              <a:solidFill>
-                <a:srgbClr val="FF0000"/>
-              </a:solidFill>
-            </a:endParaRPr>
-          </a:p>
-        </p:txBody>
-      </p:sp>
-      <p:sp>
-        <p:nvSpPr>
-          <p:cNvPr id="17" name="16 CuadroTexto"/>
-          <p:cNvSpPr txBox="1"/>
-          <p:nvPr/>
-        </p:nvSpPr>
-        <p:spPr>
-          <a:xfrm>
-            <a:off x="1619672" y="4077072"/>
-            <a:ext cx="6480720" cy="584775"/>
-          </a:xfrm>
-          <a:prstGeom prst="rect">
-            <a:avLst/>
-          </a:prstGeom>
-          <a:noFill/>
-        </p:spPr>
-        <p:txBody>
-          <a:bodyPr wrap="square" rtlCol="0">
-            <a:spAutoFit/>
-          </a:bodyPr>
-          <a:lstStyle/>
-          <a:p>
-            <a:r>
-              <a:rPr lang="es-ES" sz="3200" dirty="0" smtClean="0"/>
-              <a:t>Fichas jugador azul</a:t>
-            </a:r>
-            <a:endParaRPr lang="es-ES" sz="3200" dirty="0"/>
-          </a:p>
-        </p:txBody>
-      </p:sp>
+      </p:pic>
     </p:spTree>
+    <p:extLst>
+      <p:ext uri="{BB962C8B-B14F-4D97-AF65-F5344CB8AC3E}">
+        <p14:creationId xmlns:p14="http://schemas.microsoft.com/office/powerpoint/2010/main" val="1098281067"/>
+      </p:ext>
+    </p:extLst>
   </p:cSld>
   <p:clrMapOvr>
     <a:masterClrMapping/>
   </p:clrMapOvr>
-  <p:timing>
-    <p:tnLst>
-      <p:par>
-        <p:cTn id="1" dur="indefinite" restart="never" nodeType="tmRoot"/>
-      </p:par>
-    </p:tnLst>
-  </p:timing>
 </p:sld>
 </file>
 
@@ -4906,7 +4528,7 @@
               <a:rPr lang="es-ES" sz="8800" b="1" dirty="0" smtClean="0">
                 <a:latin typeface="Lucida Sans" pitchFamily="34" charset="0"/>
               </a:rPr>
-              <a:t>Diagrama del </a:t>
+              <a:t>Modelando las </a:t>
             </a:r>
             <a:r>
               <a:rPr lang="es-ES" sz="8800" b="1" dirty="0" smtClean="0">
@@ -4915,12 +4537,9 @@
                 </a:solidFill>
                 <a:latin typeface="Lucida Sans" pitchFamily="34" charset="0"/>
               </a:rPr>
-              <a:t>Parchís</a:t>
+              <a:t>fichas</a:t>
             </a:r>
             <a:endParaRPr lang="es-ES" sz="8800" b="1" dirty="0">
-              <a:solidFill>
-                <a:srgbClr val="FF0000"/>
-              </a:solidFill>
               <a:latin typeface="Lucida Sans" pitchFamily="34" charset="0"/>
             </a:endParaRPr>
           </a:p>
@@ -4934,7 +4553,7 @@
   <p:timing>
     <p:tnLst>
       <p:par>
-        <p:cTn id="1" dur="indefinite" restart="never" nodeType="tmRoot"/>
+        <p:cTn xmlns:p14="http://schemas.microsoft.com/office/powerpoint/2010/main" id="1" dur="indefinite" restart="never" nodeType="tmRoot"/>
       </p:par>
     </p:tnLst>
   </p:timing>
@@ -4966,8 +4585,8 @@
         </p:nvSpPr>
         <p:spPr>
           <a:xfrm>
-            <a:off x="3203848" y="2852936"/>
-            <a:ext cx="3288336" cy="369332"/>
+            <a:off x="899593" y="404664"/>
+            <a:ext cx="8064896" cy="3170099"/>
           </a:xfrm>
           <a:prstGeom prst="rect">
             <a:avLst/>
@@ -4975,20 +4594,459 @@
           <a:noFill/>
         </p:spPr>
         <p:txBody>
-          <a:bodyPr wrap="none" rtlCol="0">
+          <a:bodyPr wrap="square" rtlCol="0">
             <a:spAutoFit/>
           </a:bodyPr>
           <a:lstStyle/>
           <a:p>
             <a:r>
-              <a:rPr lang="es-ES" dirty="0" err="1" smtClean="0"/>
-              <a:t>Uml</a:t>
-            </a:r>
-            <a:r>
-              <a:rPr lang="es-ES" dirty="0" smtClean="0"/>
-              <a:t> general de todo el programa</a:t>
-            </a:r>
-            <a:endParaRPr lang="es-ES" dirty="0"/>
+              <a:rPr lang="es-ES" sz="4000" dirty="0" smtClean="0">
+                <a:latin typeface="Lucida Sans" pitchFamily="34" charset="0"/>
+              </a:rPr>
+              <a:t>Consideramos a las fichas como simples números (</a:t>
+            </a:r>
+            <a:r>
+              <a:rPr lang="es-ES" sz="4000" dirty="0" err="1" smtClean="0">
+                <a:solidFill>
+                  <a:srgbClr val="FF0000"/>
+                </a:solidFill>
+                <a:latin typeface="Lucida Sans" pitchFamily="34" charset="0"/>
+              </a:rPr>
+              <a:t>int</a:t>
+            </a:r>
+            <a:r>
+              <a:rPr lang="es-ES" sz="4000" dirty="0" smtClean="0">
+                <a:latin typeface="Lucida Sans" pitchFamily="34" charset="0"/>
+              </a:rPr>
+              <a:t>) que representan su lugar en el tablero. Cada jugador tendrá un </a:t>
+            </a:r>
+            <a:r>
+              <a:rPr lang="es-ES" sz="4000" dirty="0" err="1" smtClean="0">
+                <a:solidFill>
+                  <a:srgbClr val="FF0000"/>
+                </a:solidFill>
+                <a:latin typeface="Lucida Sans" pitchFamily="34" charset="0"/>
+              </a:rPr>
+              <a:t>array</a:t>
+            </a:r>
+            <a:r>
+              <a:rPr lang="es-ES" sz="4000" dirty="0" smtClean="0">
+                <a:solidFill>
+                  <a:srgbClr val="FF0000"/>
+                </a:solidFill>
+                <a:latin typeface="Lucida Sans" pitchFamily="34" charset="0"/>
+              </a:rPr>
+              <a:t> </a:t>
+            </a:r>
+            <a:r>
+              <a:rPr lang="es-ES" sz="4000" dirty="0" smtClean="0">
+                <a:latin typeface="Lucida Sans" pitchFamily="34" charset="0"/>
+              </a:rPr>
+              <a:t>de enteros.</a:t>
+            </a:r>
+          </a:p>
+        </p:txBody>
+      </p:sp>
+      <p:grpSp>
+        <p:nvGrpSpPr>
+          <p:cNvPr id="3" name="Agrupar 2"/>
+          <p:cNvGrpSpPr/>
+          <p:nvPr/>
+        </p:nvGrpSpPr>
+        <p:grpSpPr>
+          <a:xfrm>
+            <a:off x="899592" y="4437112"/>
+            <a:ext cx="5616624" cy="1296144"/>
+            <a:chOff x="899592" y="4653136"/>
+            <a:chExt cx="7776864" cy="1800200"/>
+          </a:xfrm>
+        </p:grpSpPr>
+        <p:sp>
+          <p:nvSpPr>
+            <p:cNvPr id="5" name="4 Rectángulo"/>
+            <p:cNvSpPr/>
+            <p:nvPr/>
+          </p:nvSpPr>
+          <p:spPr>
+            <a:xfrm>
+              <a:off x="899592" y="4653136"/>
+              <a:ext cx="7776864" cy="1800200"/>
+            </a:xfrm>
+            <a:prstGeom prst="rect">
+              <a:avLst/>
+            </a:prstGeom>
+            <a:solidFill>
+              <a:srgbClr val="FFFF00"/>
+            </a:solidFill>
+          </p:spPr>
+          <p:style>
+            <a:lnRef idx="2">
+              <a:schemeClr val="accent1">
+                <a:shade val="50000"/>
+              </a:schemeClr>
+            </a:lnRef>
+            <a:fillRef idx="1">
+              <a:schemeClr val="accent1"/>
+            </a:fillRef>
+            <a:effectRef idx="0">
+              <a:schemeClr val="accent1"/>
+            </a:effectRef>
+            <a:fontRef idx="minor">
+              <a:schemeClr val="lt1"/>
+            </a:fontRef>
+          </p:style>
+          <p:txBody>
+            <a:bodyPr rtlCol="0" anchor="ctr"/>
+            <a:lstStyle/>
+            <a:p>
+              <a:pPr algn="ctr"/>
+              <a:endParaRPr lang="es-ES" dirty="0"/>
+            </a:p>
+          </p:txBody>
+        </p:sp>
+        <p:cxnSp>
+          <p:nvCxnSpPr>
+            <p:cNvPr id="7" name="6 Conector recto"/>
+            <p:cNvCxnSpPr/>
+            <p:nvPr/>
+          </p:nvCxnSpPr>
+          <p:spPr>
+            <a:xfrm>
+              <a:off x="2843808" y="4653136"/>
+              <a:ext cx="0" cy="1800200"/>
+            </a:xfrm>
+            <a:prstGeom prst="line">
+              <a:avLst/>
+            </a:prstGeom>
+            <a:ln w="28575">
+              <a:solidFill>
+                <a:schemeClr val="tx2"/>
+              </a:solidFill>
+            </a:ln>
+          </p:spPr>
+          <p:style>
+            <a:lnRef idx="1">
+              <a:schemeClr val="accent1"/>
+            </a:lnRef>
+            <a:fillRef idx="0">
+              <a:schemeClr val="accent1"/>
+            </a:fillRef>
+            <a:effectRef idx="0">
+              <a:schemeClr val="accent1"/>
+            </a:effectRef>
+            <a:fontRef idx="minor">
+              <a:schemeClr val="tx1"/>
+            </a:fontRef>
+          </p:style>
+        </p:cxnSp>
+        <p:cxnSp>
+          <p:nvCxnSpPr>
+            <p:cNvPr id="11" name="10 Conector recto"/>
+            <p:cNvCxnSpPr/>
+            <p:nvPr/>
+          </p:nvCxnSpPr>
+          <p:spPr>
+            <a:xfrm>
+              <a:off x="4716016" y="4653136"/>
+              <a:ext cx="0" cy="1800200"/>
+            </a:xfrm>
+            <a:prstGeom prst="line">
+              <a:avLst/>
+            </a:prstGeom>
+            <a:ln w="28575">
+              <a:solidFill>
+                <a:schemeClr val="tx2"/>
+              </a:solidFill>
+            </a:ln>
+          </p:spPr>
+          <p:style>
+            <a:lnRef idx="1">
+              <a:schemeClr val="accent1"/>
+            </a:lnRef>
+            <a:fillRef idx="0">
+              <a:schemeClr val="accent1"/>
+            </a:fillRef>
+            <a:effectRef idx="0">
+              <a:schemeClr val="accent1"/>
+            </a:effectRef>
+            <a:fontRef idx="minor">
+              <a:schemeClr val="tx1"/>
+            </a:fontRef>
+          </p:style>
+        </p:cxnSp>
+        <p:cxnSp>
+          <p:nvCxnSpPr>
+            <p:cNvPr id="12" name="11 Conector recto"/>
+            <p:cNvCxnSpPr/>
+            <p:nvPr/>
+          </p:nvCxnSpPr>
+          <p:spPr>
+            <a:xfrm>
+              <a:off x="6660232" y="4653136"/>
+              <a:ext cx="0" cy="1800200"/>
+            </a:xfrm>
+            <a:prstGeom prst="line">
+              <a:avLst/>
+            </a:prstGeom>
+            <a:ln w="28575">
+              <a:solidFill>
+                <a:schemeClr val="tx2"/>
+              </a:solidFill>
+            </a:ln>
+          </p:spPr>
+          <p:style>
+            <a:lnRef idx="1">
+              <a:schemeClr val="accent1"/>
+            </a:lnRef>
+            <a:fillRef idx="0">
+              <a:schemeClr val="accent1"/>
+            </a:fillRef>
+            <a:effectRef idx="0">
+              <a:schemeClr val="accent1"/>
+            </a:effectRef>
+            <a:fontRef idx="minor">
+              <a:schemeClr val="tx1"/>
+            </a:fontRef>
+          </p:style>
+        </p:cxnSp>
+        <p:sp>
+          <p:nvSpPr>
+            <p:cNvPr id="13" name="12 CuadroTexto"/>
+            <p:cNvSpPr txBox="1"/>
+            <p:nvPr/>
+          </p:nvSpPr>
+          <p:spPr>
+            <a:xfrm>
+              <a:off x="1098999" y="4984624"/>
+              <a:ext cx="1512168" cy="1068668"/>
+            </a:xfrm>
+            <a:prstGeom prst="rect">
+              <a:avLst/>
+            </a:prstGeom>
+            <a:noFill/>
+          </p:spPr>
+          <p:txBody>
+            <a:bodyPr wrap="square" rtlCol="0">
+              <a:spAutoFit/>
+            </a:bodyPr>
+            <a:lstStyle/>
+            <a:p>
+              <a:pPr algn="ctr"/>
+              <a:r>
+                <a:rPr lang="es-ES" sz="4400" b="1" dirty="0" smtClean="0">
+                  <a:solidFill>
+                    <a:schemeClr val="tx1">
+                      <a:lumMod val="95000"/>
+                      <a:lumOff val="5000"/>
+                    </a:schemeClr>
+                  </a:solidFill>
+                </a:rPr>
+                <a:t>69</a:t>
+              </a:r>
+              <a:endParaRPr lang="es-ES" sz="4400" b="1" dirty="0">
+                <a:solidFill>
+                  <a:schemeClr val="tx1">
+                    <a:lumMod val="95000"/>
+                    <a:lumOff val="5000"/>
+                  </a:schemeClr>
+                </a:solidFill>
+              </a:endParaRPr>
+            </a:p>
+          </p:txBody>
+        </p:sp>
+        <p:sp>
+          <p:nvSpPr>
+            <p:cNvPr id="14" name="13 CuadroTexto"/>
+            <p:cNvSpPr txBox="1"/>
+            <p:nvPr/>
+          </p:nvSpPr>
+          <p:spPr>
+            <a:xfrm>
+              <a:off x="3043215" y="4984624"/>
+              <a:ext cx="1512168" cy="1068668"/>
+            </a:xfrm>
+            <a:prstGeom prst="rect">
+              <a:avLst/>
+            </a:prstGeom>
+            <a:noFill/>
+          </p:spPr>
+          <p:txBody>
+            <a:bodyPr wrap="square" rtlCol="0">
+              <a:spAutoFit/>
+            </a:bodyPr>
+            <a:lstStyle/>
+            <a:p>
+              <a:pPr algn="ctr"/>
+              <a:r>
+                <a:rPr lang="es-ES" sz="4400" b="1" dirty="0" smtClean="0">
+                  <a:solidFill>
+                    <a:schemeClr val="tx1">
+                      <a:lumMod val="95000"/>
+                      <a:lumOff val="5000"/>
+                    </a:schemeClr>
+                  </a:solidFill>
+                </a:rPr>
+                <a:t>54</a:t>
+              </a:r>
+              <a:endParaRPr lang="es-ES" sz="4400" b="1" dirty="0">
+                <a:solidFill>
+                  <a:schemeClr val="tx1">
+                    <a:lumMod val="95000"/>
+                    <a:lumOff val="5000"/>
+                  </a:schemeClr>
+                </a:solidFill>
+              </a:endParaRPr>
+            </a:p>
+          </p:txBody>
+        </p:sp>
+        <p:sp>
+          <p:nvSpPr>
+            <p:cNvPr id="15" name="14 CuadroTexto"/>
+            <p:cNvSpPr txBox="1"/>
+            <p:nvPr/>
+          </p:nvSpPr>
+          <p:spPr>
+            <a:xfrm>
+              <a:off x="4915424" y="4984624"/>
+              <a:ext cx="1512168" cy="1068668"/>
+            </a:xfrm>
+            <a:prstGeom prst="rect">
+              <a:avLst/>
+            </a:prstGeom>
+            <a:noFill/>
+          </p:spPr>
+          <p:txBody>
+            <a:bodyPr wrap="square" rtlCol="0">
+              <a:spAutoFit/>
+            </a:bodyPr>
+            <a:lstStyle/>
+            <a:p>
+              <a:pPr algn="ctr"/>
+              <a:r>
+                <a:rPr lang="es-ES" sz="4400" b="1" dirty="0" smtClean="0">
+                  <a:solidFill>
+                    <a:schemeClr val="tx1">
+                      <a:lumMod val="95000"/>
+                      <a:lumOff val="5000"/>
+                    </a:schemeClr>
+                  </a:solidFill>
+                </a:rPr>
+                <a:t>5</a:t>
+              </a:r>
+              <a:endParaRPr lang="es-ES" sz="4400" b="1" dirty="0">
+                <a:solidFill>
+                  <a:schemeClr val="tx1">
+                    <a:lumMod val="95000"/>
+                    <a:lumOff val="5000"/>
+                  </a:schemeClr>
+                </a:solidFill>
+              </a:endParaRPr>
+            </a:p>
+          </p:txBody>
+        </p:sp>
+        <p:sp>
+          <p:nvSpPr>
+            <p:cNvPr id="16" name="15 CuadroTexto"/>
+            <p:cNvSpPr txBox="1"/>
+            <p:nvPr/>
+          </p:nvSpPr>
+          <p:spPr>
+            <a:xfrm>
+              <a:off x="6787632" y="4984624"/>
+              <a:ext cx="1512168" cy="1068668"/>
+            </a:xfrm>
+            <a:prstGeom prst="rect">
+              <a:avLst/>
+            </a:prstGeom>
+            <a:noFill/>
+          </p:spPr>
+          <p:txBody>
+            <a:bodyPr wrap="square" rtlCol="0">
+              <a:spAutoFit/>
+            </a:bodyPr>
+            <a:lstStyle/>
+            <a:p>
+              <a:pPr algn="ctr"/>
+              <a:r>
+                <a:rPr lang="es-ES" sz="4400" b="1" dirty="0" smtClean="0">
+                  <a:solidFill>
+                    <a:schemeClr val="tx1">
+                      <a:lumMod val="95000"/>
+                      <a:lumOff val="5000"/>
+                    </a:schemeClr>
+                  </a:solidFill>
+                </a:rPr>
+                <a:t>0</a:t>
+              </a:r>
+              <a:endParaRPr lang="es-ES" sz="4400" b="1" dirty="0">
+                <a:solidFill>
+                  <a:schemeClr val="tx1">
+                    <a:lumMod val="95000"/>
+                    <a:lumOff val="5000"/>
+                  </a:schemeClr>
+                </a:solidFill>
+              </a:endParaRPr>
+            </a:p>
+          </p:txBody>
+        </p:sp>
+      </p:grpSp>
+      <p:sp>
+        <p:nvSpPr>
+          <p:cNvPr id="17" name="16 CuadroTexto"/>
+          <p:cNvSpPr txBox="1"/>
+          <p:nvPr/>
+        </p:nvSpPr>
+        <p:spPr>
+          <a:xfrm>
+            <a:off x="971600" y="3789040"/>
+            <a:ext cx="6480720" cy="584775"/>
+          </a:xfrm>
+          <a:prstGeom prst="rect">
+            <a:avLst/>
+          </a:prstGeom>
+          <a:noFill/>
+        </p:spPr>
+        <p:txBody>
+          <a:bodyPr wrap="square" rtlCol="0">
+            <a:spAutoFit/>
+          </a:bodyPr>
+          <a:lstStyle/>
+          <a:p>
+            <a:r>
+              <a:rPr lang="es-ES" sz="3200" dirty="0" smtClean="0"/>
+              <a:t>Fichas jugador Amarillo</a:t>
+            </a:r>
+            <a:endParaRPr lang="es-ES" sz="3200" dirty="0"/>
+          </a:p>
+        </p:txBody>
+      </p:sp>
+      <p:sp>
+        <p:nvSpPr>
+          <p:cNvPr id="18" name="16 CuadroTexto"/>
+          <p:cNvSpPr txBox="1"/>
+          <p:nvPr/>
+        </p:nvSpPr>
+        <p:spPr>
+          <a:xfrm>
+            <a:off x="899592" y="5733256"/>
+            <a:ext cx="5616624" cy="584776"/>
+          </a:xfrm>
+          <a:prstGeom prst="rect">
+            <a:avLst/>
+          </a:prstGeom>
+          <a:noFill/>
+        </p:spPr>
+        <p:txBody>
+          <a:bodyPr wrap="square" rtlCol="0">
+            <a:spAutoFit/>
+          </a:bodyPr>
+          <a:lstStyle/>
+          <a:p>
+            <a:r>
+              <a:rPr lang="es-ES" sz="3200" dirty="0" smtClean="0"/>
+              <a:t>Pasillo    Normal   Salida     Casa</a:t>
+            </a:r>
+            <a:endParaRPr lang="es-ES" sz="2800" dirty="0"/>
           </a:p>
         </p:txBody>
       </p:sp>
@@ -5000,7 +5058,147 @@
   <p:timing>
     <p:tnLst>
       <p:par>
-        <p:cTn id="1" dur="indefinite" restart="never" nodeType="tmRoot"/>
+        <p:cTn xmlns:p14="http://schemas.microsoft.com/office/powerpoint/2010/main" id="1" dur="indefinite" restart="never" nodeType="tmRoot"/>
+      </p:par>
+    </p:tnLst>
+  </p:timing>
+</p:sld>
+</file>
+
+<file path=ppt/slides/slide24.xml><?xml version="1.0" encoding="utf-8"?>
+<p:sld xmlns:a="http://schemas.openxmlformats.org/drawingml/2006/main" xmlns:r="http://schemas.openxmlformats.org/officeDocument/2006/relationships" xmlns:p="http://schemas.openxmlformats.org/presentationml/2006/main">
+  <p:cSld>
+    <p:spTree>
+      <p:nvGrpSpPr>
+        <p:cNvPr id="1" name=""/>
+        <p:cNvGrpSpPr/>
+        <p:nvPr/>
+      </p:nvGrpSpPr>
+      <p:grpSpPr>
+        <a:xfrm>
+          <a:off x="0" y="0"/>
+          <a:ext cx="0" cy="0"/>
+          <a:chOff x="0" y="0"/>
+          <a:chExt cx="0" cy="0"/>
+        </a:xfrm>
+      </p:grpSpPr>
+      <p:sp>
+        <p:nvSpPr>
+          <p:cNvPr id="2" name="1 Título"/>
+          <p:cNvSpPr>
+            <a:spLocks noGrp="1"/>
+          </p:cNvSpPr>
+          <p:nvPr>
+            <p:ph type="ctrTitle"/>
+          </p:nvPr>
+        </p:nvSpPr>
+        <p:spPr>
+          <a:xfrm>
+            <a:off x="611560" y="2132856"/>
+            <a:ext cx="7772400" cy="1470025"/>
+          </a:xfrm>
+        </p:spPr>
+        <p:txBody>
+          <a:bodyPr>
+            <a:noAutofit/>
+          </a:bodyPr>
+          <a:lstStyle/>
+          <a:p>
+            <a:r>
+              <a:rPr lang="es-ES" sz="8800" b="1" dirty="0" smtClean="0">
+                <a:latin typeface="Lucida Sans" pitchFamily="34" charset="0"/>
+              </a:rPr>
+              <a:t>Diagrama del </a:t>
+            </a:r>
+            <a:r>
+              <a:rPr lang="es-ES" sz="8800" b="1" dirty="0" smtClean="0">
+                <a:solidFill>
+                  <a:srgbClr val="FF0000"/>
+                </a:solidFill>
+                <a:latin typeface="Lucida Sans" pitchFamily="34" charset="0"/>
+              </a:rPr>
+              <a:t>Parchís</a:t>
+            </a:r>
+            <a:endParaRPr lang="es-ES" sz="8800" b="1" dirty="0">
+              <a:solidFill>
+                <a:srgbClr val="FF0000"/>
+              </a:solidFill>
+              <a:latin typeface="Lucida Sans" pitchFamily="34" charset="0"/>
+            </a:endParaRPr>
+          </a:p>
+        </p:txBody>
+      </p:sp>
+    </p:spTree>
+  </p:cSld>
+  <p:clrMapOvr>
+    <a:masterClrMapping/>
+  </p:clrMapOvr>
+  <p:timing>
+    <p:tnLst>
+      <p:par>
+        <p:cTn xmlns:p14="http://schemas.microsoft.com/office/powerpoint/2010/main" id="1" dur="indefinite" restart="never" nodeType="tmRoot"/>
+      </p:par>
+    </p:tnLst>
+  </p:timing>
+</p:sld>
+</file>
+
+<file path=ppt/slides/slide25.xml><?xml version="1.0" encoding="utf-8"?>
+<p:sld xmlns:a="http://schemas.openxmlformats.org/drawingml/2006/main" xmlns:r="http://schemas.openxmlformats.org/officeDocument/2006/relationships" xmlns:p="http://schemas.openxmlformats.org/presentationml/2006/main">
+  <p:cSld>
+    <p:spTree>
+      <p:nvGrpSpPr>
+        <p:cNvPr id="1" name=""/>
+        <p:cNvGrpSpPr/>
+        <p:nvPr/>
+      </p:nvGrpSpPr>
+      <p:grpSpPr>
+        <a:xfrm>
+          <a:off x="0" y="0"/>
+          <a:ext cx="0" cy="0"/>
+          <a:chOff x="0" y="0"/>
+          <a:chExt cx="0" cy="0"/>
+        </a:xfrm>
+      </p:grpSpPr>
+      <p:pic>
+        <p:nvPicPr>
+          <p:cNvPr id="2" name="Imagen 1" descr="Captura de pantalla 2015-10-27 a las 22.06.27.png"/>
+          <p:cNvPicPr>
+            <a:picLocks noChangeAspect="1"/>
+          </p:cNvPicPr>
+          <p:nvPr/>
+        </p:nvPicPr>
+        <p:blipFill>
+          <a:blip r:embed="rId2">
+            <a:extLst>
+              <a:ext uri="{28A0092B-C50C-407E-A947-70E740481C1C}">
+                <a14:useLocalDpi xmlns:a14="http://schemas.microsoft.com/office/drawing/2010/main" val="0"/>
+              </a:ext>
+            </a:extLst>
+          </a:blip>
+          <a:stretch>
+            <a:fillRect/>
+          </a:stretch>
+        </p:blipFill>
+        <p:spPr>
+          <a:xfrm>
+            <a:off x="1173868" y="180020"/>
+            <a:ext cx="6653389" cy="6497960"/>
+          </a:xfrm>
+          <a:prstGeom prst="rect">
+            <a:avLst/>
+          </a:prstGeom>
+        </p:spPr>
+      </p:pic>
+    </p:spTree>
+  </p:cSld>
+  <p:clrMapOvr>
+    <a:masterClrMapping/>
+  </p:clrMapOvr>
+  <p:timing>
+    <p:tnLst>
+      <p:par>
+        <p:cTn xmlns:p14="http://schemas.microsoft.com/office/powerpoint/2010/main" id="1" dur="indefinite" restart="never" nodeType="tmRoot"/>
       </p:par>
     </p:tnLst>
   </p:timing>
@@ -5032,7 +5230,7 @@
         </p:nvSpPr>
         <p:spPr>
           <a:xfrm>
-            <a:off x="899592" y="404664"/>
+            <a:off x="755576" y="404664"/>
             <a:ext cx="7388561" cy="707886"/>
           </a:xfrm>
           <a:prstGeom prst="rect">
@@ -5061,12 +5259,6 @@
               </a:rPr>
               <a:t>parchís</a:t>
             </a:r>
-            <a:endParaRPr lang="es-ES" sz="4000" dirty="0" smtClean="0">
-              <a:solidFill>
-                <a:srgbClr val="FF0000"/>
-              </a:solidFill>
-              <a:latin typeface="Lucida Sans" pitchFamily="34" charset="0"/>
-            </a:endParaRPr>
           </a:p>
         </p:txBody>
       </p:sp>
@@ -5078,8 +5270,8 @@
         </p:nvSpPr>
         <p:spPr>
           <a:xfrm>
-            <a:off x="1043608" y="1196752"/>
-            <a:ext cx="3004349" cy="2554545"/>
+            <a:off x="755576" y="1484784"/>
+            <a:ext cx="4968552" cy="2554545"/>
           </a:xfrm>
           <a:prstGeom prst="rect">
             <a:avLst/>
@@ -5087,12 +5279,12 @@
           <a:noFill/>
         </p:spPr>
         <p:txBody>
-          <a:bodyPr wrap="none" rtlCol="0">
+          <a:bodyPr wrap="square" rtlCol="0">
             <a:spAutoFit/>
           </a:bodyPr>
           <a:lstStyle/>
           <a:p>
-            <a:pPr>
+            <a:pPr lvl="1">
               <a:buFont typeface="Arial" pitchFamily="34" charset="0"/>
               <a:buChar char="•"/>
             </a:pPr>
@@ -5100,17 +5292,11 @@
               <a:rPr lang="es-ES" sz="4000" dirty="0" smtClean="0">
                 <a:latin typeface="Lucida Sans" pitchFamily="34" charset="0"/>
               </a:rPr>
-              <a:t> </a:t>
-            </a:r>
-            <a:r>
-              <a:rPr lang="es-ES" sz="4000" dirty="0" smtClean="0">
-                <a:latin typeface="Lucida Sans" pitchFamily="34" charset="0"/>
-              </a:rPr>
-              <a:t>Dado</a:t>
-            </a:r>
-          </a:p>
-          <a:p>
-            <a:pPr>
+              <a:t> Dado</a:t>
+            </a:r>
+          </a:p>
+          <a:p>
+            <a:pPr lvl="1">
               <a:buFont typeface="Arial" pitchFamily="34" charset="0"/>
               <a:buChar char="•"/>
             </a:pPr>
@@ -5118,17 +5304,11 @@
               <a:rPr lang="es-ES" sz="4000" dirty="0" smtClean="0">
                 <a:latin typeface="Lucida Sans" pitchFamily="34" charset="0"/>
               </a:rPr>
-              <a:t> </a:t>
-            </a:r>
-            <a:r>
-              <a:rPr lang="es-ES" sz="4000" dirty="0" smtClean="0">
-                <a:latin typeface="Lucida Sans" pitchFamily="34" charset="0"/>
-              </a:rPr>
-              <a:t>Jugadores</a:t>
-            </a:r>
-          </a:p>
-          <a:p>
-            <a:pPr>
+              <a:t> Jugadores</a:t>
+            </a:r>
+          </a:p>
+          <a:p>
+            <a:pPr lvl="1">
               <a:buFont typeface="Arial" pitchFamily="34" charset="0"/>
               <a:buChar char="•"/>
             </a:pPr>
@@ -5140,7 +5320,7 @@
             </a:r>
           </a:p>
           <a:p>
-            <a:pPr>
+            <a:pPr lvl="1">
               <a:buFont typeface="Arial" pitchFamily="34" charset="0"/>
               <a:buChar char="•"/>
             </a:pPr>
@@ -5148,17 +5328,8 @@
               <a:rPr lang="es-ES" sz="4000" dirty="0" smtClean="0">
                 <a:latin typeface="Lucida Sans" pitchFamily="34" charset="0"/>
               </a:rPr>
-              <a:t> </a:t>
-            </a:r>
-            <a:r>
-              <a:rPr lang="es-ES" sz="4000" dirty="0" smtClean="0">
-                <a:latin typeface="Lucida Sans" pitchFamily="34" charset="0"/>
-              </a:rPr>
-              <a:t>Tablero</a:t>
-            </a:r>
-            <a:endParaRPr lang="es-ES" sz="4000" dirty="0" smtClean="0">
-              <a:latin typeface="Lucida Sans" pitchFamily="34" charset="0"/>
-            </a:endParaRPr>
+              <a:t> Tablero</a:t>
+            </a:r>
           </a:p>
         </p:txBody>
       </p:sp>
@@ -5199,12 +5370,6 @@
               </a:rPr>
               <a:t>parchís</a:t>
             </a:r>
-            <a:endParaRPr lang="es-ES" sz="4000" dirty="0" smtClean="0">
-              <a:solidFill>
-                <a:srgbClr val="FF0000"/>
-              </a:solidFill>
-              <a:latin typeface="Lucida Sans" pitchFamily="34" charset="0"/>
-            </a:endParaRPr>
           </a:p>
         </p:txBody>
       </p:sp>
@@ -5216,8 +5381,8 @@
         </p:nvSpPr>
         <p:spPr>
           <a:xfrm>
-            <a:off x="1043608" y="5445224"/>
-            <a:ext cx="2149948" cy="707886"/>
+            <a:off x="755576" y="5445224"/>
+            <a:ext cx="2437980" cy="707886"/>
           </a:xfrm>
           <a:prstGeom prst="rect">
             <a:avLst/>
@@ -5225,12 +5390,12 @@
           <a:noFill/>
         </p:spPr>
         <p:txBody>
-          <a:bodyPr wrap="none" rtlCol="0">
+          <a:bodyPr wrap="square" rtlCol="0">
             <a:spAutoFit/>
           </a:bodyPr>
           <a:lstStyle/>
           <a:p>
-            <a:pPr>
+            <a:pPr lvl="1">
               <a:buFont typeface="Arial" pitchFamily="34" charset="0"/>
               <a:buChar char="•"/>
             </a:pPr>
@@ -5238,17 +5403,8 @@
               <a:rPr lang="es-ES" sz="4000" dirty="0" smtClean="0">
                 <a:latin typeface="Lucida Sans" pitchFamily="34" charset="0"/>
               </a:rPr>
-              <a:t> </a:t>
-            </a:r>
-            <a:r>
-              <a:rPr lang="es-ES" sz="4000" dirty="0" smtClean="0">
-                <a:latin typeface="Lucida Sans" pitchFamily="34" charset="0"/>
-              </a:rPr>
               <a:t>Reglas</a:t>
             </a:r>
-            <a:endParaRPr lang="es-ES" sz="4000" dirty="0" smtClean="0">
-              <a:latin typeface="Lucida Sans" pitchFamily="34" charset="0"/>
-            </a:endParaRPr>
           </a:p>
         </p:txBody>
       </p:sp>
@@ -5260,7 +5416,7 @@
   <p:timing>
     <p:tnLst>
       <p:par>
-        <p:cTn id="1" dur="indefinite" restart="never" nodeType="tmRoot"/>
+        <p:cTn xmlns:p14="http://schemas.microsoft.com/office/powerpoint/2010/main" id="1" dur="indefinite" restart="never" nodeType="tmRoot"/>
       </p:par>
     </p:tnLst>
   </p:timing>
@@ -5296,8 +5452,8 @@
         </p:nvSpPr>
         <p:spPr>
           <a:xfrm>
-            <a:off x="611560" y="2132856"/>
-            <a:ext cx="7772400" cy="1470025"/>
+            <a:off x="648680" y="1844824"/>
+            <a:ext cx="7846640" cy="3168351"/>
           </a:xfrm>
         </p:spPr>
         <p:txBody>
@@ -5335,7 +5491,7 @@
   <p:timing>
     <p:tnLst>
       <p:par>
-        <p:cTn id="1" dur="indefinite" restart="never" nodeType="tmRoot"/>
+        <p:cTn xmlns:p14="http://schemas.microsoft.com/office/powerpoint/2010/main" id="1" dur="indefinite" restart="never" nodeType="tmRoot"/>
       </p:par>
     </p:tnLst>
   </p:timing>
@@ -5396,12 +5552,6 @@
               </a:rPr>
               <a:t>general</a:t>
             </a:r>
-            <a:endParaRPr lang="es-ES" sz="4000" dirty="0" smtClean="0">
-              <a:solidFill>
-                <a:srgbClr val="FF0000"/>
-              </a:solidFill>
-              <a:latin typeface="Lucida Sans" pitchFamily="34" charset="0"/>
-            </a:endParaRPr>
           </a:p>
         </p:txBody>
       </p:sp>
@@ -5457,23 +5607,8 @@
               <a:rPr lang="es-ES" sz="4000" dirty="0" smtClean="0">
                 <a:latin typeface="Lucida Sans" pitchFamily="34" charset="0"/>
               </a:rPr>
-              <a:t>Todos los jugadores </a:t>
-            </a:r>
-            <a:r>
-              <a:rPr lang="es-ES" sz="4000" dirty="0" err="1" smtClean="0">
-                <a:latin typeface="Lucida Sans" pitchFamily="34" charset="0"/>
-              </a:rPr>
-              <a:t>interactuan</a:t>
-            </a:r>
-            <a:r>
-              <a:rPr lang="es-ES" sz="4000" dirty="0" smtClean="0">
-                <a:latin typeface="Lucida Sans" pitchFamily="34" charset="0"/>
-              </a:rPr>
-              <a:t> con él</a:t>
-            </a:r>
-            <a:endParaRPr lang="es-ES" sz="4000" dirty="0" smtClean="0">
-              <a:latin typeface="Lucida Sans" pitchFamily="34" charset="0"/>
-            </a:endParaRPr>
+              <a:t>Todos los jugadores interactúan con él</a:t>
+            </a:r>
           </a:p>
         </p:txBody>
       </p:sp>
@@ -5485,7 +5620,7 @@
   <p:timing>
     <p:tnLst>
       <p:par>
-        <p:cTn id="1" dur="indefinite" restart="never" nodeType="tmRoot"/>
+        <p:cTn xmlns:p14="http://schemas.microsoft.com/office/powerpoint/2010/main" id="1" dur="indefinite" restart="never" nodeType="tmRoot"/>
       </p:par>
     </p:tnLst>
   </p:timing>
@@ -5546,12 +5681,6 @@
               </a:rPr>
               <a:t>color</a:t>
             </a:r>
-            <a:endParaRPr lang="es-ES" sz="4000" dirty="0" smtClean="0">
-              <a:solidFill>
-                <a:srgbClr val="FF0000"/>
-              </a:solidFill>
-              <a:latin typeface="Lucida Sans" pitchFamily="34" charset="0"/>
-            </a:endParaRPr>
           </a:p>
         </p:txBody>
       </p:sp>
@@ -5592,12 +5721,6 @@
               </a:rPr>
               <a:t>color</a:t>
             </a:r>
-            <a:endParaRPr lang="es-ES" sz="4000" dirty="0" smtClean="0">
-              <a:solidFill>
-                <a:srgbClr val="FF0000"/>
-              </a:solidFill>
-              <a:latin typeface="Lucida Sans" pitchFamily="34" charset="0"/>
-            </a:endParaRPr>
           </a:p>
         </p:txBody>
       </p:sp>
@@ -5635,7 +5758,7 @@
   <p:timing>
     <p:tnLst>
       <p:par>
-        <p:cTn id="1" dur="indefinite" restart="never" nodeType="tmRoot"/>
+        <p:cTn xmlns:p14="http://schemas.microsoft.com/office/powerpoint/2010/main" id="1" dur="indefinite" restart="never" nodeType="tmRoot"/>
       </p:par>
     </p:tnLst>
   </p:timing>
@@ -5698,12 +5821,6 @@
               </a:rPr>
               <a:t>Recorridos?</a:t>
             </a:r>
-            <a:endParaRPr lang="es-ES" sz="4000" dirty="0" smtClean="0">
-              <a:solidFill>
-                <a:srgbClr val="FF0000"/>
-              </a:solidFill>
-              <a:latin typeface="Lucida Sans" pitchFamily="34" charset="0"/>
-            </a:endParaRPr>
           </a:p>
         </p:txBody>
       </p:sp>
@@ -5741,7 +5858,7 @@
   <p:timing>
     <p:tnLst>
       <p:par>
-        <p:cTn id="1" dur="indefinite" restart="never" nodeType="tmRoot"/>
+        <p:cTn xmlns:p14="http://schemas.microsoft.com/office/powerpoint/2010/main" id="1" dur="indefinite" restart="never" nodeType="tmRoot"/>
       </p:par>
     </p:tnLst>
   </p:timing>
@@ -5774,7 +5891,7 @@
         <p:spPr>
           <a:xfrm>
             <a:off x="899592" y="404664"/>
-            <a:ext cx="8064896" cy="5632311"/>
+            <a:ext cx="8064896" cy="6247864"/>
           </a:xfrm>
           <a:prstGeom prst="rect">
             <a:avLst/>
@@ -5818,11 +5935,20 @@
               <a:buFont typeface="Arial" pitchFamily="34" charset="0"/>
               <a:buChar char="•"/>
             </a:pPr>
-            <a:r>
-              <a:rPr lang="es-ES" sz="4000" dirty="0" smtClean="0">
-                <a:latin typeface="Lucida Sans" pitchFamily="34" charset="0"/>
-              </a:rPr>
-              <a:t> Cada jugador tiene una casilla especial “</a:t>
+            <a:endParaRPr lang="es-ES" sz="4000" dirty="0" smtClean="0">
+              <a:latin typeface="Lucida Sans" pitchFamily="34" charset="0"/>
+            </a:endParaRPr>
+          </a:p>
+          <a:p>
+            <a:pPr>
+              <a:buFont typeface="Arial" pitchFamily="34" charset="0"/>
+              <a:buChar char="•"/>
+            </a:pPr>
+            <a:r>
+              <a:rPr lang="es-ES" sz="4000" dirty="0" smtClean="0">
+                <a:latin typeface="Lucida Sans" pitchFamily="34" charset="0"/>
+              </a:rPr>
+              <a:t> Todos los jugadores comparten una casilla “</a:t>
             </a:r>
             <a:r>
               <a:rPr lang="es-ES" sz="4000" dirty="0" smtClean="0">
@@ -5837,7 +5963,7 @@
               <a:rPr lang="es-ES" sz="4000" dirty="0" smtClean="0">
                 <a:latin typeface="Lucida Sans" pitchFamily="34" charset="0"/>
               </a:rPr>
-              <a:t>” donde se almacenan las fichas que no se han comido y otra “</a:t>
+              <a:t>” donde se almacenan las fichas que no están en juego y otra “</a:t>
             </a:r>
             <a:r>
               <a:rPr lang="es-ES" sz="4000" dirty="0" smtClean="0">
@@ -5852,23 +5978,8 @@
               <a:rPr lang="es-ES" sz="4000" dirty="0" smtClean="0">
                 <a:latin typeface="Lucida Sans" pitchFamily="34" charset="0"/>
               </a:rPr>
-              <a:t>” donde se </a:t>
-            </a:r>
-            <a:r>
-              <a:rPr lang="es-ES" sz="4000" dirty="0" err="1" smtClean="0">
-                <a:latin typeface="Lucida Sans" pitchFamily="34" charset="0"/>
-              </a:rPr>
-              <a:t>situan</a:t>
-            </a:r>
-            <a:r>
-              <a:rPr lang="es-ES" sz="4000" dirty="0" smtClean="0">
-                <a:latin typeface="Lucida Sans" pitchFamily="34" charset="0"/>
-              </a:rPr>
-              <a:t> las que han llegado a la meta.</a:t>
-            </a:r>
-            <a:endParaRPr lang="es-ES" sz="4000" dirty="0" smtClean="0">
-              <a:latin typeface="Lucida Sans" pitchFamily="34" charset="0"/>
-            </a:endParaRPr>
+              <a:t>” donde se sitúan las que han llegado a la meta.</a:t>
+            </a:r>
           </a:p>
         </p:txBody>
       </p:sp>
@@ -5880,7 +5991,7 @@
   <p:timing>
     <p:tnLst>
       <p:par>
-        <p:cTn id="1" dur="indefinite" restart="never" nodeType="tmRoot"/>
+        <p:cTn xmlns:p14="http://schemas.microsoft.com/office/powerpoint/2010/main" id="1" dur="indefinite" restart="never" nodeType="tmRoot"/>
       </p:par>
     </p:tnLst>
   </p:timing>
@@ -5912,8 +6023,8 @@
         </p:nvSpPr>
         <p:spPr>
           <a:xfrm>
-            <a:off x="899592" y="404664"/>
-            <a:ext cx="7920880" cy="3170099"/>
+            <a:off x="611560" y="908720"/>
+            <a:ext cx="7848872" cy="3785652"/>
           </a:xfrm>
           <a:prstGeom prst="rect">
             <a:avLst/>
@@ -5926,6 +6037,10 @@
           </a:bodyPr>
           <a:lstStyle/>
           <a:p>
+            <a:pPr marL="571500" indent="-571500">
+              <a:buFont typeface="Arial"/>
+              <a:buChar char="•"/>
+            </a:pPr>
             <a:r>
               <a:rPr lang="es-ES" sz="4000" dirty="0" smtClean="0">
                 <a:latin typeface="Lucida Sans" pitchFamily="34" charset="0"/>
@@ -5939,46 +6054,22 @@
                 </a:solidFill>
                 <a:latin typeface="Lucida Sans" pitchFamily="34" charset="0"/>
               </a:rPr>
-              <a:t>abstrac</a:t>
-            </a:r>
-            <a:r>
-              <a:rPr lang="es-ES" sz="4000" dirty="0" err="1" smtClean="0">
+              <a:t>Abstract</a:t>
+            </a:r>
+            <a:r>
+              <a:rPr lang="es-ES" sz="4000" dirty="0" smtClean="0">
                 <a:solidFill>
                   <a:srgbClr val="FF0000"/>
                 </a:solidFill>
                 <a:latin typeface="Lucida Sans" pitchFamily="34" charset="0"/>
               </a:rPr>
-              <a:t>t</a:t>
-            </a:r>
-            <a:r>
-              <a:rPr lang="es-ES" sz="4000" dirty="0" smtClean="0">
-                <a:solidFill>
-                  <a:srgbClr val="FF0000"/>
-                </a:solidFill>
-                <a:latin typeface="Lucida Sans" pitchFamily="34" charset="0"/>
-              </a:rPr>
-              <a:t> </a:t>
-            </a:r>
-            <a:r>
-              <a:rPr lang="es-ES" sz="4000" dirty="0" err="1" smtClean="0">
-                <a:solidFill>
-                  <a:srgbClr val="FF0000"/>
-                </a:solidFill>
-                <a:latin typeface="Lucida Sans" pitchFamily="34" charset="0"/>
-              </a:rPr>
-              <a:t>factory</a:t>
-            </a:r>
-            <a:r>
-              <a:rPr lang="es-ES" sz="4000" dirty="0" smtClean="0">
-                <a:latin typeface="Lucida Sans" pitchFamily="34" charset="0"/>
-              </a:rPr>
-              <a:t> </a:t>
-            </a:r>
-            <a:r>
-              <a:rPr lang="es-ES" sz="4000" dirty="0" smtClean="0">
-                <a:latin typeface="Lucida Sans" pitchFamily="34" charset="0"/>
-              </a:rPr>
-              <a:t>ya que cada recorrido, de color o general, crea sus propias casillas.</a:t>
+              <a:t> Factory</a:t>
+            </a:r>
+            <a:r>
+              <a:rPr lang="es-ES" sz="4000" dirty="0" smtClean="0">
+                <a:latin typeface="Lucida Sans" pitchFamily="34" charset="0"/>
+              </a:rPr>
+              <a:t> ya que cada recorrido, de color o general, crea sus propias casillas.</a:t>
             </a:r>
             <a:endParaRPr lang="es-ES" sz="4000" dirty="0" smtClean="0">
               <a:solidFill>
@@ -5997,7 +6088,7 @@
   <p:timing>
     <p:tnLst>
       <p:par>
-        <p:cTn id="1" dur="indefinite" restart="never" nodeType="tmRoot"/>
+        <p:cTn xmlns:p14="http://schemas.microsoft.com/office/powerpoint/2010/main" id="1" dur="indefinite" restart="never" nodeType="tmRoot"/>
       </p:par>
     </p:tnLst>
   </p:timing>
